--- a/ASE_Mobile_Testing.pptx
+++ b/ASE_Mobile_Testing.pptx
@@ -6,10 +6,10 @@
     <p:sldMasterId id="2147483660" r:id="rId2"/>
   </p:sldMasterIdLst>
   <p:notesMasterIdLst>
-    <p:notesMasterId r:id="rId20"/>
+    <p:notesMasterId r:id="rId24"/>
   </p:notesMasterIdLst>
   <p:handoutMasterIdLst>
-    <p:handoutMasterId r:id="rId21"/>
+    <p:handoutMasterId r:id="rId25"/>
   </p:handoutMasterIdLst>
   <p:sldIdLst>
     <p:sldId id="333" r:id="rId3"/>
@@ -28,7 +28,11 @@
     <p:sldId id="305" r:id="rId16"/>
     <p:sldId id="328" r:id="rId17"/>
     <p:sldId id="345" r:id="rId18"/>
-    <p:sldId id="346" r:id="rId19"/>
+    <p:sldId id="347" r:id="rId19"/>
+    <p:sldId id="348" r:id="rId20"/>
+    <p:sldId id="350" r:id="rId21"/>
+    <p:sldId id="351" r:id="rId22"/>
+    <p:sldId id="346" r:id="rId23"/>
   </p:sldIdLst>
   <p:sldSz cx="9144000" cy="6858000" type="screen4x3"/>
   <p:notesSz cx="6858000" cy="9144000"/>
@@ -129,7 +133,7 @@
   </p:defaultTextStyle>
   <p:extLst>
     <p:ext uri="{EFAFB233-063F-42B5-8137-9DF3F51BA10A}">
-      <p15:sldGuideLst xmlns:p15="http://schemas.microsoft.com/office/powerpoint/2012/main" xmlns="">
+      <p15:sldGuideLst xmlns:p15="http://schemas.microsoft.com/office/powerpoint/2012/main">
         <p15:guide id="1" orient="horz" pos="2160">
           <p15:clr>
             <a:srgbClr val="A4A3A4"/>
@@ -228,7 +232,7 @@
           <a:p>
             <a:fld id="{0E42B491-1408-FF42-A419-041EE731746A}" type="datetimeFigureOut">
               <a:rPr lang="en-US" smtClean="0"/>
-              <a:t>4/11/2016</a:t>
+              <a:t>4/12/2016</a:t>
             </a:fld>
             <a:endParaRPr lang="en-US"/>
           </a:p>
@@ -393,7 +397,7 @@
           <a:p>
             <a:fld id="{6A408A42-8110-7F4B-8B5D-8E63E83FB20C}" type="datetimeFigureOut">
               <a:rPr lang="en-US" smtClean="0"/>
-              <a:t>4/11/2016</a:t>
+              <a:t>4/12/2016</a:t>
             </a:fld>
             <a:endParaRPr lang="en-US"/>
           </a:p>
@@ -1185,7 +1189,7 @@
           <a:p>
             <a:fld id="{49DBEA4D-F3C4-4046-BB47-FCB1207B26B3}" type="datetimeFigureOut">
               <a:rPr lang="en-US" smtClean="0"/>
-              <a:t>4/11/2016</a:t>
+              <a:t>4/12/2016</a:t>
             </a:fld>
             <a:endParaRPr lang="en-US"/>
           </a:p>
@@ -1353,7 +1357,7 @@
           <a:p>
             <a:fld id="{49DBEA4D-F3C4-4046-BB47-FCB1207B26B3}" type="datetimeFigureOut">
               <a:rPr lang="en-US" smtClean="0"/>
-              <a:t>4/11/2016</a:t>
+              <a:t>4/12/2016</a:t>
             </a:fld>
             <a:endParaRPr lang="en-US"/>
           </a:p>
@@ -1531,7 +1535,7 @@
           <a:p>
             <a:fld id="{49DBEA4D-F3C4-4046-BB47-FCB1207B26B3}" type="datetimeFigureOut">
               <a:rPr lang="en-US" smtClean="0"/>
-              <a:t>4/11/2016</a:t>
+              <a:t>4/12/2016</a:t>
             </a:fld>
             <a:endParaRPr lang="en-US"/>
           </a:p>
@@ -1781,7 +1785,7 @@
           <a:p>
             <a:fld id="{CB151F00-3264-D74A-9603-89B73FD0711A}" type="datetimeFigureOut">
               <a:rPr lang="en-US" smtClean="0"/>
-              <a:t>4/11/2016</a:t>
+              <a:t>4/12/2016</a:t>
             </a:fld>
             <a:endParaRPr lang="en-US"/>
           </a:p>
@@ -1949,7 +1953,7 @@
           <a:p>
             <a:fld id="{CB151F00-3264-D74A-9603-89B73FD0711A}" type="datetimeFigureOut">
               <a:rPr lang="en-US" smtClean="0"/>
-              <a:t>4/11/2016</a:t>
+              <a:t>4/12/2016</a:t>
             </a:fld>
             <a:endParaRPr lang="en-US"/>
           </a:p>
@@ -2194,7 +2198,7 @@
           <a:p>
             <a:fld id="{CB151F00-3264-D74A-9603-89B73FD0711A}" type="datetimeFigureOut">
               <a:rPr lang="en-US" smtClean="0"/>
-              <a:t>4/11/2016</a:t>
+              <a:t>4/12/2016</a:t>
             </a:fld>
             <a:endParaRPr lang="en-US"/>
           </a:p>
@@ -2479,7 +2483,7 @@
           <a:p>
             <a:fld id="{CB151F00-3264-D74A-9603-89B73FD0711A}" type="datetimeFigureOut">
               <a:rPr lang="en-US" smtClean="0"/>
-              <a:t>4/11/2016</a:t>
+              <a:t>4/12/2016</a:t>
             </a:fld>
             <a:endParaRPr lang="en-US"/>
           </a:p>
@@ -2898,7 +2902,7 @@
           <a:p>
             <a:fld id="{CB151F00-3264-D74A-9603-89B73FD0711A}" type="datetimeFigureOut">
               <a:rPr lang="en-US" smtClean="0"/>
-              <a:t>4/11/2016</a:t>
+              <a:t>4/12/2016</a:t>
             </a:fld>
             <a:endParaRPr lang="en-US"/>
           </a:p>
@@ -3015,7 +3019,7 @@
           <a:p>
             <a:fld id="{CB151F00-3264-D74A-9603-89B73FD0711A}" type="datetimeFigureOut">
               <a:rPr lang="en-US" smtClean="0"/>
-              <a:t>4/11/2016</a:t>
+              <a:t>4/12/2016</a:t>
             </a:fld>
             <a:endParaRPr lang="en-US"/>
           </a:p>
@@ -3110,7 +3114,7 @@
           <a:p>
             <a:fld id="{CB151F00-3264-D74A-9603-89B73FD0711A}" type="datetimeFigureOut">
               <a:rPr lang="en-US" smtClean="0"/>
-              <a:t>4/11/2016</a:t>
+              <a:t>4/12/2016</a:t>
             </a:fld>
             <a:endParaRPr lang="en-US"/>
           </a:p>
@@ -3385,7 +3389,7 @@
           <a:p>
             <a:fld id="{CB151F00-3264-D74A-9603-89B73FD0711A}" type="datetimeFigureOut">
               <a:rPr lang="en-US" smtClean="0"/>
-              <a:t>4/11/2016</a:t>
+              <a:t>4/12/2016</a:t>
             </a:fld>
             <a:endParaRPr lang="en-US"/>
           </a:p>
@@ -3553,7 +3557,7 @@
           <a:p>
             <a:fld id="{49DBEA4D-F3C4-4046-BB47-FCB1207B26B3}" type="datetimeFigureOut">
               <a:rPr lang="en-US" smtClean="0"/>
-              <a:t>4/11/2016</a:t>
+              <a:t>4/12/2016</a:t>
             </a:fld>
             <a:endParaRPr lang="en-US"/>
           </a:p>
@@ -3805,7 +3809,7 @@
           <a:p>
             <a:fld id="{CB151F00-3264-D74A-9603-89B73FD0711A}" type="datetimeFigureOut">
               <a:rPr lang="en-US" smtClean="0"/>
-              <a:t>4/11/2016</a:t>
+              <a:t>4/12/2016</a:t>
             </a:fld>
             <a:endParaRPr lang="en-US"/>
           </a:p>
@@ -3973,7 +3977,7 @@
           <a:p>
             <a:fld id="{CB151F00-3264-D74A-9603-89B73FD0711A}" type="datetimeFigureOut">
               <a:rPr lang="en-US" smtClean="0"/>
-              <a:t>4/11/2016</a:t>
+              <a:t>4/12/2016</a:t>
             </a:fld>
             <a:endParaRPr lang="en-US"/>
           </a:p>
@@ -4151,7 +4155,7 @@
           <a:p>
             <a:fld id="{CB151F00-3264-D74A-9603-89B73FD0711A}" type="datetimeFigureOut">
               <a:rPr lang="en-US" smtClean="0"/>
-              <a:t>4/11/2016</a:t>
+              <a:t>4/12/2016</a:t>
             </a:fld>
             <a:endParaRPr lang="en-US"/>
           </a:p>
@@ -4396,7 +4400,7 @@
           <a:p>
             <a:fld id="{49DBEA4D-F3C4-4046-BB47-FCB1207B26B3}" type="datetimeFigureOut">
               <a:rPr lang="en-US" smtClean="0"/>
-              <a:t>4/11/2016</a:t>
+              <a:t>4/12/2016</a:t>
             </a:fld>
             <a:endParaRPr lang="en-US"/>
           </a:p>
@@ -4681,7 +4685,7 @@
           <a:p>
             <a:fld id="{49DBEA4D-F3C4-4046-BB47-FCB1207B26B3}" type="datetimeFigureOut">
               <a:rPr lang="en-US" smtClean="0"/>
-              <a:t>4/11/2016</a:t>
+              <a:t>4/12/2016</a:t>
             </a:fld>
             <a:endParaRPr lang="en-US"/>
           </a:p>
@@ -5100,7 +5104,7 @@
           <a:p>
             <a:fld id="{49DBEA4D-F3C4-4046-BB47-FCB1207B26B3}" type="datetimeFigureOut">
               <a:rPr lang="en-US" smtClean="0"/>
-              <a:t>4/11/2016</a:t>
+              <a:t>4/12/2016</a:t>
             </a:fld>
             <a:endParaRPr lang="en-US"/>
           </a:p>
@@ -5217,7 +5221,7 @@
           <a:p>
             <a:fld id="{49DBEA4D-F3C4-4046-BB47-FCB1207B26B3}" type="datetimeFigureOut">
               <a:rPr lang="en-US" smtClean="0"/>
-              <a:t>4/11/2016</a:t>
+              <a:t>4/12/2016</a:t>
             </a:fld>
             <a:endParaRPr lang="en-US"/>
           </a:p>
@@ -5312,7 +5316,7 @@
           <a:p>
             <a:fld id="{49DBEA4D-F3C4-4046-BB47-FCB1207B26B3}" type="datetimeFigureOut">
               <a:rPr lang="en-US" smtClean="0"/>
-              <a:t>4/11/2016</a:t>
+              <a:t>4/12/2016</a:t>
             </a:fld>
             <a:endParaRPr lang="en-US"/>
           </a:p>
@@ -5587,7 +5591,7 @@
           <a:p>
             <a:fld id="{49DBEA4D-F3C4-4046-BB47-FCB1207B26B3}" type="datetimeFigureOut">
               <a:rPr lang="en-US" smtClean="0"/>
-              <a:t>4/11/2016</a:t>
+              <a:t>4/12/2016</a:t>
             </a:fld>
             <a:endParaRPr lang="en-US"/>
           </a:p>
@@ -5839,7 +5843,7 @@
           <a:p>
             <a:fld id="{49DBEA4D-F3C4-4046-BB47-FCB1207B26B3}" type="datetimeFigureOut">
               <a:rPr lang="en-US" smtClean="0"/>
-              <a:t>4/11/2016</a:t>
+              <a:t>4/12/2016</a:t>
             </a:fld>
             <a:endParaRPr lang="en-US"/>
           </a:p>
@@ -6056,7 +6060,7 @@
           <a:p>
             <a:fld id="{49DBEA4D-F3C4-4046-BB47-FCB1207B26B3}" type="datetimeFigureOut">
               <a:rPr lang="en-US" smtClean="0"/>
-              <a:t>4/11/2016</a:t>
+              <a:t>4/12/2016</a:t>
             </a:fld>
             <a:endParaRPr lang="en-US"/>
           </a:p>
@@ -6570,7 +6574,7 @@
           <a:p>
             <a:fld id="{CB151F00-3264-D74A-9603-89B73FD0711A}" type="datetimeFigureOut">
               <a:rPr lang="en-US" smtClean="0"/>
-              <a:t>4/11/2016</a:t>
+              <a:t>4/12/2016</a:t>
             </a:fld>
             <a:endParaRPr lang="en-US"/>
           </a:p>
@@ -6968,8 +6972,8 @@
         </p:blipFill>
         <p:spPr bwMode="auto">
           <a:xfrm>
-            <a:off x="0" y="421409"/>
-            <a:ext cx="6857795" cy="4292600"/>
+            <a:off x="1" y="421409"/>
+            <a:ext cx="6262254" cy="4292600"/>
           </a:xfrm>
           <a:prstGeom prst="rect">
             <a:avLst/>
@@ -7022,7 +7026,7 @@
           <a:lstStyle/>
           <a:p>
             <a:r>
-              <a:rPr lang="en-US" sz="2000" b="1" i="1" dirty="0" smtClean="0">
+              <a:rPr lang="en-US" sz="2000" b="1" i="1" dirty="0">
                 <a:latin typeface="Times New Roman" panose="02020603050405020304" pitchFamily="18" charset="0"/>
                 <a:cs typeface="Times New Roman" panose="02020603050405020304" pitchFamily="18" charset="0"/>
               </a:rPr>
@@ -7031,7 +7035,7 @@
           </a:p>
           <a:p>
             <a:r>
-              <a:rPr lang="en-US" sz="2000" dirty="0" smtClean="0">
+              <a:rPr lang="en-US" sz="2000" dirty="0">
                 <a:latin typeface="Times New Roman" panose="02020603050405020304" pitchFamily="18" charset="0"/>
                 <a:cs typeface="Times New Roman" panose="02020603050405020304" pitchFamily="18" charset="0"/>
               </a:rPr>
@@ -7040,59 +7044,30 @@
           </a:p>
           <a:p>
             <a:r>
-              <a:rPr lang="en-US" sz="2000" dirty="0" err="1" smtClean="0">
+              <a:rPr lang="en-US" sz="2000" dirty="0">
                 <a:latin typeface="Times New Roman" panose="02020603050405020304" pitchFamily="18" charset="0"/>
                 <a:cs typeface="Times New Roman" panose="02020603050405020304" pitchFamily="18" charset="0"/>
               </a:rPr>
-              <a:t>Anudeep</a:t>
-            </a:r>
-            <a:r>
-              <a:rPr lang="en-US" sz="2000" dirty="0" smtClean="0">
+              <a:t>Anudeep Pandiri</a:t>
+            </a:r>
+          </a:p>
+          <a:p>
+            <a:r>
+              <a:rPr lang="en-US" sz="2000" dirty="0">
                 <a:latin typeface="Times New Roman" panose="02020603050405020304" pitchFamily="18" charset="0"/>
                 <a:cs typeface="Times New Roman" panose="02020603050405020304" pitchFamily="18" charset="0"/>
               </a:rPr>
-              <a:t> </a:t>
-            </a:r>
-            <a:r>
-              <a:rPr lang="en-US" sz="2000" dirty="0" err="1" smtClean="0">
+              <a:t>Chaitanaya Sai Manne</a:t>
+            </a:r>
+          </a:p>
+          <a:p>
+            <a:r>
+              <a:rPr lang="en-US" sz="2000" dirty="0">
                 <a:latin typeface="Times New Roman" panose="02020603050405020304" pitchFamily="18" charset="0"/>
                 <a:cs typeface="Times New Roman" panose="02020603050405020304" pitchFamily="18" charset="0"/>
               </a:rPr>
-              <a:t>Pandiri</a:t>
-            </a:r>
-            <a:endParaRPr lang="en-US" sz="2000" dirty="0" smtClean="0">
-              <a:latin typeface="Times New Roman" panose="02020603050405020304" pitchFamily="18" charset="0"/>
-              <a:cs typeface="Times New Roman" panose="02020603050405020304" pitchFamily="18" charset="0"/>
-            </a:endParaRPr>
-          </a:p>
-          <a:p>
-            <a:r>
-              <a:rPr lang="en-US" sz="2000" dirty="0" err="1" smtClean="0">
-                <a:latin typeface="Times New Roman" panose="02020603050405020304" pitchFamily="18" charset="0"/>
-                <a:cs typeface="Times New Roman" panose="02020603050405020304" pitchFamily="18" charset="0"/>
-              </a:rPr>
-              <a:t>Chaitanaya</a:t>
-            </a:r>
-            <a:r>
-              <a:rPr lang="en-US" sz="2000" dirty="0" smtClean="0">
-                <a:latin typeface="Times New Roman" panose="02020603050405020304" pitchFamily="18" charset="0"/>
-                <a:cs typeface="Times New Roman" panose="02020603050405020304" pitchFamily="18" charset="0"/>
-              </a:rPr>
-              <a:t> Sai Manne</a:t>
-            </a:r>
-          </a:p>
-          <a:p>
-            <a:r>
-              <a:rPr lang="en-US" sz="2000" dirty="0" smtClean="0">
-                <a:latin typeface="Times New Roman" panose="02020603050405020304" pitchFamily="18" charset="0"/>
-                <a:cs typeface="Times New Roman" panose="02020603050405020304" pitchFamily="18" charset="0"/>
-              </a:rPr>
               <a:t>Karthik Ponnuru</a:t>
             </a:r>
-            <a:endParaRPr lang="en-US" sz="2000" dirty="0">
-              <a:latin typeface="Times New Roman" panose="02020603050405020304" pitchFamily="18" charset="0"/>
-              <a:cs typeface="Times New Roman" panose="02020603050405020304" pitchFamily="18" charset="0"/>
-            </a:endParaRPr>
           </a:p>
         </p:txBody>
       </p:sp>
@@ -7106,13 +7081,6 @@
   <p:clrMapOvr>
     <a:masterClrMapping/>
   </p:clrMapOvr>
-  <p:timing>
-    <p:tnLst>
-      <p:par>
-        <p:cTn id="1" dur="indefinite" restart="never" nodeType="tmRoot"/>
-      </p:par>
-    </p:tnLst>
-  </p:timing>
 </p:sld>
 </file>
 
@@ -7156,7 +7124,7 @@
           <a:lstStyle/>
           <a:p>
             <a:r>
-              <a:rPr lang="en-US" sz="4000" dirty="0" smtClean="0">
+              <a:rPr lang="en-US" sz="4000" dirty="0">
                 <a:solidFill>
                   <a:schemeClr val="accent1"/>
                 </a:solidFill>
@@ -7165,13 +7133,6 @@
               </a:rPr>
               <a:t>Native vs Web Application</a:t>
             </a:r>
-            <a:endParaRPr lang="en-US" sz="4000" dirty="0">
-              <a:solidFill>
-                <a:schemeClr val="accent1"/>
-              </a:solidFill>
-              <a:latin typeface="Times New Roman"/>
-              <a:cs typeface="Times New Roman"/>
-            </a:endParaRPr>
           </a:p>
         </p:txBody>
       </p:sp>
@@ -7205,7 +7166,7 @@
               <a:buChar char="•"/>
             </a:pPr>
             <a:r>
-              <a:rPr lang="en-US" dirty="0" smtClean="0">
+              <a:rPr lang="en-US" dirty="0">
                 <a:latin typeface="Times New Roman" panose="02020603050405020304" pitchFamily="18" charset="0"/>
                 <a:cs typeface="Times New Roman" panose="02020603050405020304" pitchFamily="18" charset="0"/>
               </a:rPr>
@@ -7221,7 +7182,7 @@
               <a:buChar char="•"/>
             </a:pPr>
             <a:r>
-              <a:rPr lang="en-US" sz="3200" dirty="0" smtClean="0">
+              <a:rPr lang="en-US" sz="3200" dirty="0">
                 <a:latin typeface="Times New Roman" panose="02020603050405020304" pitchFamily="18" charset="0"/>
                 <a:cs typeface="Times New Roman" panose="02020603050405020304" pitchFamily="18" charset="0"/>
               </a:rPr>
@@ -7237,7 +7198,7 @@
               <a:buChar char="•"/>
             </a:pPr>
             <a:r>
-              <a:rPr lang="en-US" sz="3200" dirty="0" smtClean="0">
+              <a:rPr lang="en-US" sz="3200" dirty="0">
                 <a:latin typeface="Times New Roman" panose="02020603050405020304" pitchFamily="18" charset="0"/>
                 <a:cs typeface="Times New Roman" panose="02020603050405020304" pitchFamily="18" charset="0"/>
               </a:rPr>
@@ -7253,18 +7214,11 @@
               <a:buChar char="•"/>
             </a:pPr>
             <a:r>
-              <a:rPr lang="en-US" dirty="0" smtClean="0">
-                <a:latin typeface="Times New Roman" panose="02020603050405020304" pitchFamily="18" charset="0"/>
-                <a:cs typeface="Times New Roman" panose="02020603050405020304" pitchFamily="18" charset="0"/>
-              </a:rPr>
-              <a:t>Native </a:t>
-            </a:r>
-            <a:r>
               <a:rPr lang="en-US" dirty="0">
                 <a:latin typeface="Times New Roman" panose="02020603050405020304" pitchFamily="18" charset="0"/>
                 <a:cs typeface="Times New Roman" panose="02020603050405020304" pitchFamily="18" charset="0"/>
               </a:rPr>
-              <a:t>apps are deployed and executed on mobile devices, where as web apps are executes on web browsers</a:t>
+              <a:t>Native apps are deployed and executed on mobile devices, where as web apps are executes on web browsers</a:t>
             </a:r>
           </a:p>
           <a:p>
@@ -7275,7 +7229,7 @@
               <a:buFont typeface="Arial" panose="020B0604020202020204" pitchFamily="34" charset="0"/>
               <a:buChar char="•"/>
             </a:pPr>
-            <a:endParaRPr lang="en-US" sz="2800" dirty="0" smtClean="0"/>
+            <a:endParaRPr lang="en-US" sz="2800" dirty="0"/>
           </a:p>
         </p:txBody>
       </p:sp>
@@ -7289,13 +7243,6 @@
   <p:clrMapOvr>
     <a:masterClrMapping/>
   </p:clrMapOvr>
-  <p:timing>
-    <p:tnLst>
-      <p:par>
-        <p:cTn id="1" dur="indefinite" restart="never" nodeType="tmRoot"/>
-      </p:par>
-    </p:tnLst>
-  </p:timing>
 </p:sld>
 </file>
 
@@ -7334,7 +7281,7 @@
           <a:lstStyle/>
           <a:p>
             <a:r>
-              <a:rPr lang="en-US" sz="4000" dirty="0" smtClean="0">
+              <a:rPr lang="en-US" sz="4000" dirty="0">
                 <a:solidFill>
                   <a:schemeClr val="accent1"/>
                 </a:solidFill>
@@ -7343,13 +7290,6 @@
               </a:rPr>
               <a:t>Primary testing objectives</a:t>
             </a:r>
-            <a:endParaRPr lang="en-US" sz="4000" dirty="0">
-              <a:solidFill>
-                <a:schemeClr val="accent1"/>
-              </a:solidFill>
-              <a:latin typeface="Times New Roman"/>
-              <a:cs typeface="Times New Roman"/>
-            </a:endParaRPr>
           </a:p>
         </p:txBody>
       </p:sp>
@@ -7371,16 +7311,12 @@
           <a:lstStyle/>
           <a:p>
             <a:r>
-              <a:rPr lang="en-US" sz="2800" dirty="0" smtClean="0">
+              <a:rPr lang="en-US" sz="2800" dirty="0">
                 <a:latin typeface="Times New Roman" panose="02020603050405020304" pitchFamily="18" charset="0"/>
                 <a:cs typeface="Times New Roman" panose="02020603050405020304" pitchFamily="18" charset="0"/>
               </a:rPr>
               <a:t>Native apps</a:t>
             </a:r>
-            <a:endParaRPr lang="en-US" sz="2800" dirty="0">
-              <a:latin typeface="Times New Roman" panose="02020603050405020304" pitchFamily="18" charset="0"/>
-              <a:cs typeface="Times New Roman" panose="02020603050405020304" pitchFamily="18" charset="0"/>
-            </a:endParaRPr>
           </a:p>
         </p:txBody>
       </p:sp>
@@ -7398,136 +7334,90 @@
         <p:txBody>
           <a:bodyPr/>
           <a:lstStyle/>
-          <a:p>
-            <a:r>
-              <a:rPr lang="en-US" dirty="0" smtClean="0">
-                <a:latin typeface="Times New Roman" panose="02020603050405020304" pitchFamily="18" charset="0"/>
-                <a:cs typeface="Times New Roman" panose="02020603050405020304" pitchFamily="18" charset="0"/>
-              </a:rPr>
-              <a:t>Aims to validate the quality of mobile apps downloaded and executed on distinct mobile devices on selected platforms.</a:t>
-            </a:r>
-          </a:p>
           <a:p>
             <a:r>
               <a:rPr lang="en-US" dirty="0">
                 <a:latin typeface="Times New Roman" panose="02020603050405020304" pitchFamily="18" charset="0"/>
                 <a:cs typeface="Times New Roman" panose="02020603050405020304" pitchFamily="18" charset="0"/>
               </a:rPr>
-              <a:t>Testing </a:t>
-            </a:r>
+              <a:t>Aims to validate the quality of mobile apps downloaded and executed on distinct mobile devices on selected platforms.</a:t>
+            </a:r>
+          </a:p>
+          <a:p>
             <a:r>
               <a:rPr lang="en-US" dirty="0">
                 <a:latin typeface="Times New Roman" panose="02020603050405020304" pitchFamily="18" charset="0"/>
                 <a:cs typeface="Times New Roman" panose="02020603050405020304" pitchFamily="18" charset="0"/>
               </a:rPr>
-              <a:t>focuses on </a:t>
-            </a:r>
-            <a:r>
-              <a:rPr lang="en-US" dirty="0" smtClean="0">
+              <a:t>Testing focuses on functionality and behavior, </a:t>
+            </a:r>
+            <a:r>
+              <a:rPr lang="en-US" dirty="0" err="1">
                 <a:latin typeface="Times New Roman" panose="02020603050405020304" pitchFamily="18" charset="0"/>
                 <a:cs typeface="Times New Roman" panose="02020603050405020304" pitchFamily="18" charset="0"/>
               </a:rPr>
-              <a:t>functionality and behavior, </a:t>
-            </a:r>
-            <a:r>
-              <a:rPr lang="en-US" dirty="0" err="1" smtClean="0">
-                <a:latin typeface="Times New Roman" panose="02020603050405020304" pitchFamily="18" charset="0"/>
-                <a:cs typeface="Times New Roman" panose="02020603050405020304" pitchFamily="18" charset="0"/>
-              </a:rPr>
               <a:t>QoS</a:t>
-            </a:r>
-            <a:r>
-              <a:rPr lang="en-US" dirty="0" smtClean="0">
-                <a:latin typeface="Times New Roman" panose="02020603050405020304" pitchFamily="18" charset="0"/>
-                <a:cs typeface="Times New Roman" panose="02020603050405020304" pitchFamily="18" charset="0"/>
-              </a:rPr>
-              <a:t> requirements, </a:t>
             </a:r>
             <a:r>
               <a:rPr lang="en-US" dirty="0">
                 <a:latin typeface="Times New Roman" panose="02020603050405020304" pitchFamily="18" charset="0"/>
                 <a:cs typeface="Times New Roman" panose="02020603050405020304" pitchFamily="18" charset="0"/>
               </a:rPr>
-              <a:t>usability, </a:t>
-            </a:r>
-            <a:r>
-              <a:rPr lang="en-US" dirty="0" smtClean="0">
+              <a:t> requirements, usability, security and privacy.</a:t>
+            </a:r>
+          </a:p>
+        </p:txBody>
+      </p:sp>
+      <p:sp>
+        <p:nvSpPr>
+          <p:cNvPr id="18" name="Text Placeholder 17"/>
+          <p:cNvSpPr>
+            <a:spLocks noGrp="1"/>
+          </p:cNvSpPr>
+          <p:nvPr>
+            <p:ph type="body" sz="quarter" idx="3"/>
+          </p:nvPr>
+        </p:nvSpPr>
+        <p:spPr/>
+        <p:txBody>
+          <a:bodyPr>
+            <a:normAutofit/>
+          </a:bodyPr>
+          <a:lstStyle/>
+          <a:p>
+            <a:r>
+              <a:rPr lang="en-US" sz="2800" dirty="0">
                 <a:latin typeface="Times New Roman" panose="02020603050405020304" pitchFamily="18" charset="0"/>
                 <a:cs typeface="Times New Roman" panose="02020603050405020304" pitchFamily="18" charset="0"/>
               </a:rPr>
-              <a:t>security and </a:t>
-            </a:r>
+              <a:t>Web apps</a:t>
+            </a:r>
+          </a:p>
+        </p:txBody>
+      </p:sp>
+      <p:sp>
+        <p:nvSpPr>
+          <p:cNvPr id="19" name="Content Placeholder 18"/>
+          <p:cNvSpPr>
+            <a:spLocks noGrp="1"/>
+          </p:cNvSpPr>
+          <p:nvPr>
+            <p:ph sz="quarter" idx="4"/>
+          </p:nvPr>
+        </p:nvSpPr>
+        <p:spPr/>
+        <p:txBody>
+          <a:bodyPr>
+            <a:normAutofit/>
+          </a:bodyPr>
+          <a:lstStyle/>
+          <a:p>
             <a:r>
               <a:rPr lang="en-US" dirty="0">
                 <a:latin typeface="Times New Roman" panose="02020603050405020304" pitchFamily="18" charset="0"/>
                 <a:cs typeface="Times New Roman" panose="02020603050405020304" pitchFamily="18" charset="0"/>
               </a:rPr>
-              <a:t>privacy.</a:t>
-            </a:r>
-          </a:p>
-        </p:txBody>
-      </p:sp>
-      <p:sp>
-        <p:nvSpPr>
-          <p:cNvPr id="18" name="Text Placeholder 17"/>
-          <p:cNvSpPr>
-            <a:spLocks noGrp="1"/>
-          </p:cNvSpPr>
-          <p:nvPr>
-            <p:ph type="body" sz="quarter" idx="3"/>
-          </p:nvPr>
-        </p:nvSpPr>
-        <p:spPr/>
-        <p:txBody>
-          <a:bodyPr>
-            <a:normAutofit/>
-          </a:bodyPr>
-          <a:lstStyle/>
-          <a:p>
-            <a:r>
-              <a:rPr lang="en-US" sz="2800" dirty="0" smtClean="0">
-                <a:latin typeface="Times New Roman" panose="02020603050405020304" pitchFamily="18" charset="0"/>
-                <a:cs typeface="Times New Roman" panose="02020603050405020304" pitchFamily="18" charset="0"/>
-              </a:rPr>
-              <a:t>Web apps</a:t>
-            </a:r>
-            <a:endParaRPr lang="en-US" sz="2800" dirty="0">
-              <a:latin typeface="Times New Roman" panose="02020603050405020304" pitchFamily="18" charset="0"/>
-              <a:cs typeface="Times New Roman" panose="02020603050405020304" pitchFamily="18" charset="0"/>
-            </a:endParaRPr>
-          </a:p>
-        </p:txBody>
-      </p:sp>
-      <p:sp>
-        <p:nvSpPr>
-          <p:cNvPr id="19" name="Content Placeholder 18"/>
-          <p:cNvSpPr>
-            <a:spLocks noGrp="1"/>
-          </p:cNvSpPr>
-          <p:nvPr>
-            <p:ph sz="quarter" idx="4"/>
-          </p:nvPr>
-        </p:nvSpPr>
-        <p:spPr/>
-        <p:txBody>
-          <a:bodyPr>
-            <a:normAutofit/>
-          </a:bodyPr>
-          <a:lstStyle/>
-          <a:p>
-            <a:r>
-              <a:rPr lang="en-US" dirty="0">
-                <a:latin typeface="Times New Roman" panose="02020603050405020304" pitchFamily="18" charset="0"/>
-                <a:cs typeface="Times New Roman" panose="02020603050405020304" pitchFamily="18" charset="0"/>
-              </a:rPr>
-              <a:t>Aims to validate the quality of mobile </a:t>
-            </a:r>
-            <a:r>
-              <a:rPr lang="en-US" dirty="0" smtClean="0">
-                <a:latin typeface="Times New Roman" panose="02020603050405020304" pitchFamily="18" charset="0"/>
-                <a:cs typeface="Times New Roman" panose="02020603050405020304" pitchFamily="18" charset="0"/>
-              </a:rPr>
-              <a:t>web apps on different browsers  on diverse mobile devices.</a:t>
+              <a:t>Aims to validate the quality of mobile web apps on different browsers  on diverse mobile devices.</a:t>
             </a:r>
           </a:p>
           <a:p>
@@ -7538,32 +7428,11 @@
           </a:p>
           <a:p>
             <a:r>
-              <a:rPr lang="en-US" dirty="0" smtClean="0">
-                <a:latin typeface="Times New Roman" panose="02020603050405020304" pitchFamily="18" charset="0"/>
-                <a:cs typeface="Times New Roman" panose="02020603050405020304" pitchFamily="18" charset="0"/>
-              </a:rPr>
-              <a:t>In addition, to the native apps, </a:t>
-            </a:r>
-            <a:r>
               <a:rPr lang="en-US" dirty="0">
                 <a:latin typeface="Times New Roman" panose="02020603050405020304" pitchFamily="18" charset="0"/>
                 <a:cs typeface="Times New Roman" panose="02020603050405020304" pitchFamily="18" charset="0"/>
               </a:rPr>
-              <a:t>mobile Web app testing focuses on </a:t>
-            </a:r>
-            <a:r>
-              <a:rPr lang="en-US" dirty="0" smtClean="0">
-                <a:latin typeface="Times New Roman" panose="02020603050405020304" pitchFamily="18" charset="0"/>
-                <a:cs typeface="Times New Roman" panose="02020603050405020304" pitchFamily="18" charset="0"/>
-              </a:rPr>
-              <a:t>connectivity and </a:t>
-            </a:r>
-            <a:r>
-              <a:rPr lang="en-US" dirty="0">
-                <a:latin typeface="Times New Roman" panose="02020603050405020304" pitchFamily="18" charset="0"/>
-                <a:cs typeface="Times New Roman" panose="02020603050405020304" pitchFamily="18" charset="0"/>
-              </a:rPr>
-              <a:t>interoperability.</a:t>
+              <a:t>In addition, to the native apps, mobile Web app testing focuses on connectivity and interoperability.</a:t>
             </a:r>
           </a:p>
         </p:txBody>
@@ -7578,13 +7447,6 @@
   <p:clrMapOvr>
     <a:masterClrMapping/>
   </p:clrMapOvr>
-  <p:timing>
-    <p:tnLst>
-      <p:par>
-        <p:cTn id="1" dur="indefinite" restart="never" nodeType="tmRoot"/>
-      </p:par>
-    </p:tnLst>
-  </p:timing>
 </p:sld>
 </file>
 
@@ -7632,13 +7494,6 @@
               </a:rPr>
               <a:t>Native apps vs Web apps</a:t>
             </a:r>
-            <a:endParaRPr lang="en-US" sz="4000" dirty="0">
-              <a:solidFill>
-                <a:schemeClr val="accent1"/>
-              </a:solidFill>
-              <a:latin typeface="Times New Roman" panose="02020603050405020304" pitchFamily="18" charset="0"/>
-              <a:cs typeface="Times New Roman" panose="02020603050405020304" pitchFamily="18" charset="0"/>
-            </a:endParaRPr>
           </a:p>
         </p:txBody>
       </p:sp>
@@ -7660,16 +7515,12 @@
           <a:lstStyle/>
           <a:p>
             <a:r>
-              <a:rPr lang="en-US" sz="2800" dirty="0" smtClean="0">
+              <a:rPr lang="en-US" sz="2800" dirty="0">
                 <a:latin typeface="Times New Roman" panose="02020603050405020304" pitchFamily="18" charset="0"/>
                 <a:cs typeface="Times New Roman" panose="02020603050405020304" pitchFamily="18" charset="0"/>
               </a:rPr>
               <a:t>Native apps</a:t>
             </a:r>
-            <a:endParaRPr lang="en-US" sz="2800" dirty="0">
-              <a:latin typeface="Times New Roman" panose="02020603050405020304" pitchFamily="18" charset="0"/>
-              <a:cs typeface="Times New Roman" panose="02020603050405020304" pitchFamily="18" charset="0"/>
-            </a:endParaRPr>
           </a:p>
         </p:txBody>
       </p:sp>
@@ -7691,78 +7542,56 @@
           <a:lstStyle/>
           <a:p>
             <a:r>
-              <a:rPr lang="en-US" u="sng" dirty="0" smtClean="0">
-                <a:latin typeface="Times New Roman" panose="02020603050405020304" pitchFamily="18" charset="0"/>
-                <a:cs typeface="Times New Roman" panose="02020603050405020304" pitchFamily="18" charset="0"/>
-              </a:rPr>
-              <a:t>Testing environment</a:t>
-            </a:r>
-          </a:p>
-          <a:p>
-            <a:pPr lvl="1"/>
-            <a:r>
-              <a:rPr lang="en-US" dirty="0" smtClean="0">
-                <a:latin typeface="Times New Roman" panose="02020603050405020304" pitchFamily="18" charset="0"/>
-                <a:cs typeface="Times New Roman" panose="02020603050405020304" pitchFamily="18" charset="0"/>
-              </a:rPr>
-              <a:t>It underlies on multiple mobile platforms.</a:t>
-            </a:r>
-          </a:p>
-          <a:p>
-            <a:r>
               <a:rPr lang="en-US" u="sng" dirty="0">
                 <a:latin typeface="Times New Roman" panose="02020603050405020304" pitchFamily="18" charset="0"/>
                 <a:cs typeface="Times New Roman" panose="02020603050405020304" pitchFamily="18" charset="0"/>
               </a:rPr>
+              <a:t>Testing environment</a:t>
+            </a:r>
+          </a:p>
+          <a:p>
+            <a:pPr lvl="1"/>
+            <a:r>
+              <a:rPr lang="en-US" dirty="0">
+                <a:latin typeface="Times New Roman" panose="02020603050405020304" pitchFamily="18" charset="0"/>
+                <a:cs typeface="Times New Roman" panose="02020603050405020304" pitchFamily="18" charset="0"/>
+              </a:rPr>
+              <a:t>It underlies on multiple mobile platforms.</a:t>
+            </a:r>
+          </a:p>
+          <a:p>
+            <a:r>
+              <a:rPr lang="en-US" u="sng" dirty="0">
+                <a:latin typeface="Times New Roman" panose="02020603050405020304" pitchFamily="18" charset="0"/>
+                <a:cs typeface="Times New Roman" panose="02020603050405020304" pitchFamily="18" charset="0"/>
+              </a:rPr>
               <a:t>User Interface</a:t>
             </a:r>
+          </a:p>
+          <a:p>
+            <a:pPr lvl="1"/>
+            <a:r>
+              <a:rPr lang="en-US" dirty="0">
+                <a:latin typeface="Times New Roman" panose="02020603050405020304" pitchFamily="18" charset="0"/>
+                <a:cs typeface="Times New Roman" panose="02020603050405020304" pitchFamily="18" charset="0"/>
+              </a:rPr>
+              <a:t>It considers mobile clients, rich media content and graphics, and gesture features.</a:t>
+            </a:r>
+          </a:p>
+          <a:p>
             <a:endParaRPr lang="en-US" u="sng" dirty="0">
               <a:latin typeface="Times New Roman" panose="02020603050405020304" pitchFamily="18" charset="0"/>
               <a:cs typeface="Times New Roman" panose="02020603050405020304" pitchFamily="18" charset="0"/>
             </a:endParaRPr>
           </a:p>
           <a:p>
-            <a:pPr lvl="1"/>
-            <a:r>
-              <a:rPr lang="en-US" dirty="0">
+            <a:r>
+              <a:rPr lang="en-US" u="sng" dirty="0">
                 <a:latin typeface="Times New Roman" panose="02020603050405020304" pitchFamily="18" charset="0"/>
                 <a:cs typeface="Times New Roman" panose="02020603050405020304" pitchFamily="18" charset="0"/>
               </a:rPr>
-              <a:t>It considers mobile clients, rich media content and graphics, and </a:t>
-            </a:r>
-            <a:r>
-              <a:rPr lang="en-US" dirty="0">
-                <a:latin typeface="Times New Roman" panose="02020603050405020304" pitchFamily="18" charset="0"/>
-                <a:cs typeface="Times New Roman" panose="02020603050405020304" pitchFamily="18" charset="0"/>
-              </a:rPr>
-              <a:t>gesture features</a:t>
-            </a:r>
-            <a:r>
-              <a:rPr lang="en-US" dirty="0" smtClean="0">
-                <a:latin typeface="Times New Roman" panose="02020603050405020304" pitchFamily="18" charset="0"/>
-                <a:cs typeface="Times New Roman" panose="02020603050405020304" pitchFamily="18" charset="0"/>
-              </a:rPr>
-              <a:t>.</a:t>
-            </a:r>
-          </a:p>
-          <a:p>
-            <a:endParaRPr lang="en-US" u="sng" dirty="0" smtClean="0">
-              <a:latin typeface="Times New Roman" panose="02020603050405020304" pitchFamily="18" charset="0"/>
-              <a:cs typeface="Times New Roman" panose="02020603050405020304" pitchFamily="18" charset="0"/>
-            </a:endParaRPr>
-          </a:p>
-          <a:p>
-            <a:r>
-              <a:rPr lang="en-US" u="sng" dirty="0" smtClean="0">
-                <a:latin typeface="Times New Roman" panose="02020603050405020304" pitchFamily="18" charset="0"/>
-                <a:cs typeface="Times New Roman" panose="02020603050405020304" pitchFamily="18" charset="0"/>
-              </a:rPr>
               <a:t>Technologies</a:t>
             </a:r>
-            <a:endParaRPr lang="en-US" u="sng" dirty="0">
-              <a:latin typeface="Times New Roman" panose="02020603050405020304" pitchFamily="18" charset="0"/>
-              <a:cs typeface="Times New Roman" panose="02020603050405020304" pitchFamily="18" charset="0"/>
-            </a:endParaRPr>
           </a:p>
           <a:p>
             <a:pPr lvl="1"/>
@@ -7771,21 +7600,7 @@
                 <a:latin typeface="Times New Roman" panose="02020603050405020304" pitchFamily="18" charset="0"/>
                 <a:cs typeface="Times New Roman" panose="02020603050405020304" pitchFamily="18" charset="0"/>
               </a:rPr>
-              <a:t>P</a:t>
-            </a:r>
-            <a:r>
-              <a:rPr lang="en-US" sz="2100" dirty="0">
-                <a:latin typeface="Times New Roman" panose="02020603050405020304" pitchFamily="18" charset="0"/>
-                <a:cs typeface="Times New Roman" panose="02020603050405020304" pitchFamily="18" charset="0"/>
-              </a:rPr>
-              <a:t>rogramming </a:t>
-            </a:r>
-            <a:r>
-              <a:rPr lang="en-US" sz="2100" dirty="0">
-                <a:latin typeface="Times New Roman" panose="02020603050405020304" pitchFamily="18" charset="0"/>
-                <a:cs typeface="Times New Roman" panose="02020603050405020304" pitchFamily="18" charset="0"/>
-              </a:rPr>
-              <a:t>languages such as Java (Android), Objective-C (iOS), and Visual C++ (Windows)</a:t>
+              <a:t>Programming languages such as Java (Android), Objective-C (iOS), and Visual C++ (Windows)</a:t>
             </a:r>
           </a:p>
         </p:txBody>
@@ -7808,16 +7623,12 @@
           <a:lstStyle/>
           <a:p>
             <a:r>
-              <a:rPr lang="en-US" sz="2800" dirty="0" smtClean="0">
+              <a:rPr lang="en-US" sz="2800" dirty="0">
                 <a:latin typeface="Times New Roman" panose="02020603050405020304" pitchFamily="18" charset="0"/>
                 <a:cs typeface="Times New Roman" panose="02020603050405020304" pitchFamily="18" charset="0"/>
               </a:rPr>
               <a:t>Web apps</a:t>
             </a:r>
-            <a:endParaRPr lang="en-US" sz="2800" dirty="0">
-              <a:latin typeface="Times New Roman" panose="02020603050405020304" pitchFamily="18" charset="0"/>
-              <a:cs typeface="Times New Roman" panose="02020603050405020304" pitchFamily="18" charset="0"/>
-            </a:endParaRPr>
           </a:p>
         </p:txBody>
       </p:sp>
@@ -7843,14 +7654,26 @@
                 <a:latin typeface="Times New Roman" panose="02020603050405020304" pitchFamily="18" charset="0"/>
                 <a:cs typeface="Times New Roman" panose="02020603050405020304" pitchFamily="18" charset="0"/>
               </a:rPr>
-              <a:t>Testing </a:t>
-            </a:r>
+              <a:t>Testing environment</a:t>
+            </a:r>
+          </a:p>
+          <a:p>
+            <a:pPr lvl="1"/>
+            <a:r>
+              <a:rPr lang="en-US" sz="1900" dirty="0">
+                <a:latin typeface="Times New Roman" panose="02020603050405020304" pitchFamily="18" charset="0"/>
+                <a:cs typeface="Times New Roman" panose="02020603050405020304" pitchFamily="18" charset="0"/>
+              </a:rPr>
+              <a:t>The underlying Web browser is the testing environment.</a:t>
+            </a:r>
+          </a:p>
+          <a:p>
             <a:r>
               <a:rPr lang="en-US" sz="2200" u="sng" dirty="0">
                 <a:latin typeface="Times New Roman" panose="02020603050405020304" pitchFamily="18" charset="0"/>
                 <a:cs typeface="Times New Roman" panose="02020603050405020304" pitchFamily="18" charset="0"/>
               </a:rPr>
-              <a:t>environment</a:t>
+              <a:t>User Interface</a:t>
             </a:r>
           </a:p>
           <a:p>
@@ -7860,80 +7683,26 @@
                 <a:latin typeface="Times New Roman" panose="02020603050405020304" pitchFamily="18" charset="0"/>
                 <a:cs typeface="Times New Roman" panose="02020603050405020304" pitchFamily="18" charset="0"/>
               </a:rPr>
-              <a:t>The underlying Web browser is the testing environment</a:t>
-            </a:r>
+              <a:t>It considers web-based thin mobile clients, downloadable mobile clients, and browser-based rich media and graphics support.</a:t>
+            </a:r>
+          </a:p>
+          <a:p>
+            <a:r>
+              <a:rPr lang="en-US" sz="2200" u="sng" dirty="0">
+                <a:latin typeface="Times New Roman" panose="02020603050405020304" pitchFamily="18" charset="0"/>
+                <a:cs typeface="Times New Roman" panose="02020603050405020304" pitchFamily="18" charset="0"/>
+              </a:rPr>
+              <a:t>Technologies</a:t>
+            </a:r>
+          </a:p>
+          <a:p>
+            <a:pPr lvl="1"/>
             <a:r>
               <a:rPr lang="en-US" sz="1900" dirty="0">
                 <a:latin typeface="Times New Roman" panose="02020603050405020304" pitchFamily="18" charset="0"/>
                 <a:cs typeface="Times New Roman" panose="02020603050405020304" pitchFamily="18" charset="0"/>
               </a:rPr>
-              <a:t>.</a:t>
-            </a:r>
-          </a:p>
-          <a:p>
-            <a:r>
-              <a:rPr lang="en-US" sz="2200" u="sng" dirty="0">
-                <a:latin typeface="Times New Roman" panose="02020603050405020304" pitchFamily="18" charset="0"/>
-                <a:cs typeface="Times New Roman" panose="02020603050405020304" pitchFamily="18" charset="0"/>
-              </a:rPr>
-              <a:t>User Interface</a:t>
-            </a:r>
-          </a:p>
-          <a:p>
-            <a:pPr lvl="1"/>
-            <a:r>
-              <a:rPr lang="en-US" sz="1900" dirty="0">
-                <a:latin typeface="Times New Roman" panose="02020603050405020304" pitchFamily="18" charset="0"/>
-                <a:cs typeface="Times New Roman" panose="02020603050405020304" pitchFamily="18" charset="0"/>
-              </a:rPr>
-              <a:t>It considers web-based thin mobile clients, downloadable mobile clients, and browser-based rich media and graphics support.</a:t>
-            </a:r>
-          </a:p>
-          <a:p>
-            <a:r>
-              <a:rPr lang="en-US" sz="2200" u="sng" dirty="0" smtClean="0">
-                <a:latin typeface="Times New Roman" panose="02020603050405020304" pitchFamily="18" charset="0"/>
-                <a:cs typeface="Times New Roman" panose="02020603050405020304" pitchFamily="18" charset="0"/>
-              </a:rPr>
-              <a:t>Technologies</a:t>
-            </a:r>
-          </a:p>
-          <a:p>
-            <a:pPr lvl="1"/>
-            <a:r>
-              <a:rPr lang="en-US" sz="1900" dirty="0">
-                <a:latin typeface="Times New Roman" panose="02020603050405020304" pitchFamily="18" charset="0"/>
-                <a:cs typeface="Times New Roman" panose="02020603050405020304" pitchFamily="18" charset="0"/>
-              </a:rPr>
-              <a:t>HTML5, CSS3, </a:t>
-            </a:r>
-            <a:r>
-              <a:rPr lang="en-US" sz="1900" dirty="0">
-                <a:latin typeface="Times New Roman" panose="02020603050405020304" pitchFamily="18" charset="0"/>
-                <a:cs typeface="Times New Roman" panose="02020603050405020304" pitchFamily="18" charset="0"/>
-              </a:rPr>
-              <a:t>and JavaScript</a:t>
-            </a:r>
-            <a:r>
-              <a:rPr lang="en-US" sz="1900" dirty="0">
-                <a:latin typeface="Times New Roman" panose="02020603050405020304" pitchFamily="18" charset="0"/>
-                <a:cs typeface="Times New Roman" panose="02020603050405020304" pitchFamily="18" charset="0"/>
-              </a:rPr>
-              <a:t>. The app developer might also use </a:t>
-            </a:r>
-            <a:r>
-              <a:rPr lang="en-US" sz="1900" dirty="0">
-                <a:latin typeface="Times New Roman" panose="02020603050405020304" pitchFamily="18" charset="0"/>
-                <a:cs typeface="Times New Roman" panose="02020603050405020304" pitchFamily="18" charset="0"/>
-              </a:rPr>
-              <a:t>server-side languages </a:t>
-            </a:r>
-            <a:r>
-              <a:rPr lang="en-US" sz="1900" dirty="0">
-                <a:latin typeface="Times New Roman" panose="02020603050405020304" pitchFamily="18" charset="0"/>
-                <a:cs typeface="Times New Roman" panose="02020603050405020304" pitchFamily="18" charset="0"/>
-              </a:rPr>
-              <a:t>or frameworks such as PHP, Rails, and Python.</a:t>
+              <a:t>HTML5, CSS3, and JavaScript. The app developer might also use server-side languages or frameworks such as PHP, Rails, and Python.</a:t>
             </a:r>
           </a:p>
           <a:p>
@@ -7955,13 +7724,6 @@
   <p:clrMapOvr>
     <a:masterClrMapping/>
   </p:clrMapOvr>
-  <p:timing>
-    <p:tnLst>
-      <p:par>
-        <p:cTn id="1" dur="indefinite" restart="never" nodeType="tmRoot"/>
-      </p:par>
-    </p:tnLst>
-  </p:timing>
 </p:sld>
 </file>
 
@@ -8007,278 +7769,210 @@
                 <a:latin typeface="Times New Roman" panose="02020603050405020304" pitchFamily="18" charset="0"/>
                 <a:cs typeface="Times New Roman" panose="02020603050405020304" pitchFamily="18" charset="0"/>
               </a:rPr>
-              <a:t>Native apps vs Web </a:t>
-            </a:r>
-            <a:r>
-              <a:rPr lang="en-US" sz="4000" dirty="0" smtClean="0">
-                <a:solidFill>
-                  <a:schemeClr val="accent1"/>
-                </a:solidFill>
+              <a:t>Native apps vs Web apps (cont..)</a:t>
+            </a:r>
+          </a:p>
+        </p:txBody>
+      </p:sp>
+      <p:sp>
+        <p:nvSpPr>
+          <p:cNvPr id="3" name="Text Placeholder 2"/>
+          <p:cNvSpPr>
+            <a:spLocks noGrp="1"/>
+          </p:cNvSpPr>
+          <p:nvPr>
+            <p:ph type="body" idx="1"/>
+          </p:nvPr>
+        </p:nvSpPr>
+        <p:spPr/>
+        <p:txBody>
+          <a:bodyPr>
+            <a:normAutofit/>
+          </a:bodyPr>
+          <a:lstStyle/>
+          <a:p>
+            <a:r>
+              <a:rPr lang="en-US" sz="2800" dirty="0">
                 <a:latin typeface="Times New Roman" panose="02020603050405020304" pitchFamily="18" charset="0"/>
                 <a:cs typeface="Times New Roman" panose="02020603050405020304" pitchFamily="18" charset="0"/>
               </a:rPr>
-              <a:t>apps (cont..)</a:t>
-            </a:r>
-            <a:endParaRPr lang="en-US" sz="4000" dirty="0">
-              <a:solidFill>
-                <a:schemeClr val="accent1"/>
-              </a:solidFill>
+              <a:t>Native apps</a:t>
+            </a:r>
+          </a:p>
+        </p:txBody>
+      </p:sp>
+      <p:sp>
+        <p:nvSpPr>
+          <p:cNvPr id="4" name="Content Placeholder 3"/>
+          <p:cNvSpPr>
+            <a:spLocks noGrp="1"/>
+          </p:cNvSpPr>
+          <p:nvPr>
+            <p:ph sz="half" idx="2"/>
+          </p:nvPr>
+        </p:nvSpPr>
+        <p:spPr/>
+        <p:txBody>
+          <a:bodyPr>
+            <a:normAutofit fontScale="92500" lnSpcReduction="20000"/>
+          </a:bodyPr>
+          <a:lstStyle/>
+          <a:p>
+            <a:r>
+              <a:rPr lang="en-US" u="sng" dirty="0">
+                <a:latin typeface="Times New Roman" panose="02020603050405020304" pitchFamily="18" charset="0"/>
+                <a:cs typeface="Times New Roman" panose="02020603050405020304" pitchFamily="18" charset="0"/>
+              </a:rPr>
+              <a:t>Mobile Connectivity Testing</a:t>
+            </a:r>
+          </a:p>
+          <a:p>
+            <a:pPr lvl="1"/>
+            <a:r>
+              <a:rPr lang="en-US" sz="2100" dirty="0">
+                <a:latin typeface="Times New Roman" panose="02020603050405020304" pitchFamily="18" charset="0"/>
+                <a:cs typeface="Times New Roman" panose="02020603050405020304" pitchFamily="18" charset="0"/>
+              </a:rPr>
+              <a:t>Online content synchronization during testing as well as download, deployment, and customization issues</a:t>
+            </a:r>
+          </a:p>
+          <a:p>
+            <a:r>
+              <a:rPr lang="en-US" u="sng" dirty="0">
+                <a:latin typeface="Times New Roman" panose="02020603050405020304" pitchFamily="18" charset="0"/>
+                <a:cs typeface="Times New Roman" panose="02020603050405020304" pitchFamily="18" charset="0"/>
+              </a:rPr>
+              <a:t>Usability Testing</a:t>
+            </a:r>
+          </a:p>
+          <a:p>
+            <a:pPr lvl="1"/>
+            <a:r>
+              <a:rPr lang="en-US" sz="2100" dirty="0">
+                <a:latin typeface="Times New Roman" panose="02020603050405020304" pitchFamily="18" charset="0"/>
+                <a:cs typeface="Times New Roman" panose="02020603050405020304" pitchFamily="18" charset="0"/>
+              </a:rPr>
+              <a:t>It involves testing mobile device-based gestures, content, interfaces, and the general user experience</a:t>
+            </a:r>
+          </a:p>
+          <a:p>
+            <a:r>
+              <a:rPr lang="en-US" u="sng" dirty="0">
+                <a:latin typeface="Times New Roman" panose="02020603050405020304" pitchFamily="18" charset="0"/>
+                <a:cs typeface="Times New Roman" panose="02020603050405020304" pitchFamily="18" charset="0"/>
+              </a:rPr>
+              <a:t>Mobility Testing</a:t>
+            </a:r>
+          </a:p>
+          <a:p>
+            <a:pPr lvl="1"/>
+            <a:r>
+              <a:rPr lang="en-US" sz="2100" dirty="0">
+                <a:latin typeface="Times New Roman" panose="02020603050405020304" pitchFamily="18" charset="0"/>
+                <a:cs typeface="Times New Roman" panose="02020603050405020304" pitchFamily="18" charset="0"/>
+              </a:rPr>
+              <a:t>It involves testing the device’s location-based functions, features etc.</a:t>
+            </a:r>
+          </a:p>
+        </p:txBody>
+      </p:sp>
+      <p:sp>
+        <p:nvSpPr>
+          <p:cNvPr id="5" name="Text Placeholder 4"/>
+          <p:cNvSpPr>
+            <a:spLocks noGrp="1"/>
+          </p:cNvSpPr>
+          <p:nvPr>
+            <p:ph type="body" sz="quarter" idx="3"/>
+          </p:nvPr>
+        </p:nvSpPr>
+        <p:spPr/>
+        <p:txBody>
+          <a:bodyPr>
+            <a:normAutofit/>
+          </a:bodyPr>
+          <a:lstStyle/>
+          <a:p>
+            <a:r>
+              <a:rPr lang="en-US" sz="2800" dirty="0">
+                <a:latin typeface="Times New Roman" panose="02020603050405020304" pitchFamily="18" charset="0"/>
+                <a:cs typeface="Times New Roman" panose="02020603050405020304" pitchFamily="18" charset="0"/>
+              </a:rPr>
+              <a:t>Web apps</a:t>
+            </a:r>
+          </a:p>
+        </p:txBody>
+      </p:sp>
+      <p:sp>
+        <p:nvSpPr>
+          <p:cNvPr id="6" name="Content Placeholder 5"/>
+          <p:cNvSpPr>
+            <a:spLocks noGrp="1"/>
+          </p:cNvSpPr>
+          <p:nvPr>
+            <p:ph sz="quarter" idx="4"/>
+          </p:nvPr>
+        </p:nvSpPr>
+        <p:spPr/>
+        <p:txBody>
+          <a:bodyPr>
+            <a:normAutofit fontScale="77500" lnSpcReduction="20000"/>
+          </a:bodyPr>
+          <a:lstStyle/>
+          <a:p>
+            <a:r>
+              <a:rPr lang="en-US" sz="2600" u="sng" dirty="0">
+                <a:latin typeface="Times New Roman" panose="02020603050405020304" pitchFamily="18" charset="0"/>
+                <a:cs typeface="Times New Roman" panose="02020603050405020304" pitchFamily="18" charset="0"/>
+              </a:rPr>
+              <a:t>Mobile Connectivity Testing</a:t>
+            </a:r>
+          </a:p>
+          <a:p>
+            <a:pPr lvl="1"/>
+            <a:r>
+              <a:rPr lang="en-US" sz="2300" dirty="0">
+                <a:latin typeface="Times New Roman" panose="02020603050405020304" pitchFamily="18" charset="0"/>
+                <a:cs typeface="Times New Roman" panose="02020603050405020304" pitchFamily="18" charset="0"/>
+              </a:rPr>
+              <a:t>it is important to test with Internet connectivity and diverse wireless air protocols in mind, as well as the mobile connections between clients and servers.</a:t>
+            </a:r>
+          </a:p>
+          <a:p>
+            <a:r>
+              <a:rPr lang="en-US" sz="2600" u="sng" dirty="0">
+                <a:latin typeface="Times New Roman" panose="02020603050405020304" pitchFamily="18" charset="0"/>
+                <a:cs typeface="Times New Roman" panose="02020603050405020304" pitchFamily="18" charset="0"/>
+              </a:rPr>
+              <a:t>Usability Testing</a:t>
+            </a:r>
+          </a:p>
+          <a:p>
+            <a:pPr lvl="1"/>
+            <a:r>
+              <a:rPr lang="en-US" sz="2300" dirty="0">
+                <a:latin typeface="Times New Roman" panose="02020603050405020304" pitchFamily="18" charset="0"/>
+                <a:cs typeface="Times New Roman" panose="02020603050405020304" pitchFamily="18" charset="0"/>
+              </a:rPr>
+              <a:t>It focuses on Web-based GUI content, interfaces, and user operation flows.</a:t>
+            </a:r>
+          </a:p>
+          <a:p>
+            <a:pPr marL="0" indent="0">
+              <a:buNone/>
+            </a:pPr>
+            <a:endParaRPr lang="en-US" sz="2600" u="sng" dirty="0">
               <a:latin typeface="Times New Roman" panose="02020603050405020304" pitchFamily="18" charset="0"/>
               <a:cs typeface="Times New Roman" panose="02020603050405020304" pitchFamily="18" charset="0"/>
             </a:endParaRPr>
           </a:p>
-        </p:txBody>
-      </p:sp>
-      <p:sp>
-        <p:nvSpPr>
-          <p:cNvPr id="3" name="Text Placeholder 2"/>
-          <p:cNvSpPr>
-            <a:spLocks noGrp="1"/>
-          </p:cNvSpPr>
-          <p:nvPr>
-            <p:ph type="body" idx="1"/>
-          </p:nvPr>
-        </p:nvSpPr>
-        <p:spPr/>
-        <p:txBody>
-          <a:bodyPr>
-            <a:normAutofit/>
-          </a:bodyPr>
-          <a:lstStyle/>
-          <a:p>
-            <a:r>
-              <a:rPr lang="en-US" sz="2800" dirty="0" smtClean="0">
+          <a:p>
+            <a:r>
+              <a:rPr lang="en-US" sz="2800" u="sng" dirty="0">
                 <a:latin typeface="Times New Roman" panose="02020603050405020304" pitchFamily="18" charset="0"/>
                 <a:cs typeface="Times New Roman" panose="02020603050405020304" pitchFamily="18" charset="0"/>
               </a:rPr>
-              <a:t>Native apps</a:t>
-            </a:r>
-            <a:endParaRPr lang="en-US" sz="2800" dirty="0">
-              <a:latin typeface="Times New Roman" panose="02020603050405020304" pitchFamily="18" charset="0"/>
-              <a:cs typeface="Times New Roman" panose="02020603050405020304" pitchFamily="18" charset="0"/>
-            </a:endParaRPr>
-          </a:p>
-        </p:txBody>
-      </p:sp>
-      <p:sp>
-        <p:nvSpPr>
-          <p:cNvPr id="4" name="Content Placeholder 3"/>
-          <p:cNvSpPr>
-            <a:spLocks noGrp="1"/>
-          </p:cNvSpPr>
-          <p:nvPr>
-            <p:ph sz="half" idx="2"/>
-          </p:nvPr>
-        </p:nvSpPr>
-        <p:spPr/>
-        <p:txBody>
-          <a:bodyPr>
-            <a:normAutofit fontScale="92500" lnSpcReduction="20000"/>
-          </a:bodyPr>
-          <a:lstStyle/>
-          <a:p>
-            <a:r>
-              <a:rPr lang="en-US" u="sng" dirty="0" smtClean="0">
-                <a:latin typeface="Times New Roman" panose="02020603050405020304" pitchFamily="18" charset="0"/>
-                <a:cs typeface="Times New Roman" panose="02020603050405020304" pitchFamily="18" charset="0"/>
-              </a:rPr>
-              <a:t>Mobile Connectivity Testing</a:t>
-            </a:r>
-          </a:p>
-          <a:p>
-            <a:pPr lvl="1"/>
-            <a:r>
-              <a:rPr lang="en-US" sz="2100" dirty="0" smtClean="0">
-                <a:latin typeface="Times New Roman" panose="02020603050405020304" pitchFamily="18" charset="0"/>
-                <a:cs typeface="Times New Roman" panose="02020603050405020304" pitchFamily="18" charset="0"/>
-              </a:rPr>
-              <a:t>Online </a:t>
-            </a:r>
-            <a:r>
-              <a:rPr lang="en-US" sz="2100" dirty="0">
-                <a:latin typeface="Times New Roman" panose="02020603050405020304" pitchFamily="18" charset="0"/>
-                <a:cs typeface="Times New Roman" panose="02020603050405020304" pitchFamily="18" charset="0"/>
-              </a:rPr>
-              <a:t>content </a:t>
-            </a:r>
-            <a:r>
-              <a:rPr lang="en-US" sz="2100" dirty="0">
-                <a:latin typeface="Times New Roman" panose="02020603050405020304" pitchFamily="18" charset="0"/>
-                <a:cs typeface="Times New Roman" panose="02020603050405020304" pitchFamily="18" charset="0"/>
-              </a:rPr>
-              <a:t>synchronization during testing as well as </a:t>
-            </a:r>
-            <a:r>
-              <a:rPr lang="en-US" sz="2100" dirty="0">
-                <a:latin typeface="Times New Roman" panose="02020603050405020304" pitchFamily="18" charset="0"/>
-                <a:cs typeface="Times New Roman" panose="02020603050405020304" pitchFamily="18" charset="0"/>
-              </a:rPr>
-              <a:t>download, deployment</a:t>
-            </a:r>
-            <a:r>
-              <a:rPr lang="en-US" sz="2100" dirty="0">
-                <a:latin typeface="Times New Roman" panose="02020603050405020304" pitchFamily="18" charset="0"/>
-                <a:cs typeface="Times New Roman" panose="02020603050405020304" pitchFamily="18" charset="0"/>
-              </a:rPr>
-              <a:t>, and customization issues</a:t>
-            </a:r>
-            <a:endParaRPr lang="en-US" sz="2100" dirty="0">
-              <a:latin typeface="Times New Roman" panose="02020603050405020304" pitchFamily="18" charset="0"/>
-              <a:cs typeface="Times New Roman" panose="02020603050405020304" pitchFamily="18" charset="0"/>
-            </a:endParaRPr>
-          </a:p>
-          <a:p>
-            <a:r>
-              <a:rPr lang="en-US" u="sng" dirty="0" smtClean="0">
-                <a:latin typeface="Times New Roman" panose="02020603050405020304" pitchFamily="18" charset="0"/>
-                <a:cs typeface="Times New Roman" panose="02020603050405020304" pitchFamily="18" charset="0"/>
-              </a:rPr>
-              <a:t>Usability Testing</a:t>
-            </a:r>
-            <a:endParaRPr lang="en-US" u="sng" dirty="0">
-              <a:latin typeface="Times New Roman" panose="02020603050405020304" pitchFamily="18" charset="0"/>
-              <a:cs typeface="Times New Roman" panose="02020603050405020304" pitchFamily="18" charset="0"/>
-            </a:endParaRPr>
-          </a:p>
-          <a:p>
-            <a:pPr lvl="1"/>
-            <a:r>
-              <a:rPr lang="en-US" sz="2100" dirty="0">
-                <a:latin typeface="Times New Roman" panose="02020603050405020304" pitchFamily="18" charset="0"/>
-                <a:cs typeface="Times New Roman" panose="02020603050405020304" pitchFamily="18" charset="0"/>
-              </a:rPr>
-              <a:t>It involves </a:t>
-            </a:r>
-            <a:r>
-              <a:rPr lang="en-US" sz="2100" dirty="0">
-                <a:latin typeface="Times New Roman" panose="02020603050405020304" pitchFamily="18" charset="0"/>
-                <a:cs typeface="Times New Roman" panose="02020603050405020304" pitchFamily="18" charset="0"/>
-              </a:rPr>
-              <a:t>testing mobile </a:t>
-            </a:r>
-            <a:r>
-              <a:rPr lang="en-US" sz="2100" dirty="0">
-                <a:latin typeface="Times New Roman" panose="02020603050405020304" pitchFamily="18" charset="0"/>
-                <a:cs typeface="Times New Roman" panose="02020603050405020304" pitchFamily="18" charset="0"/>
-              </a:rPr>
-              <a:t>device-based gestures, content, interfaces, and </a:t>
-            </a:r>
-            <a:r>
-              <a:rPr lang="en-US" sz="2100" dirty="0">
-                <a:latin typeface="Times New Roman" panose="02020603050405020304" pitchFamily="18" charset="0"/>
-                <a:cs typeface="Times New Roman" panose="02020603050405020304" pitchFamily="18" charset="0"/>
-              </a:rPr>
-              <a:t>the general </a:t>
-            </a:r>
-            <a:r>
-              <a:rPr lang="en-US" sz="2100" dirty="0">
-                <a:latin typeface="Times New Roman" panose="02020603050405020304" pitchFamily="18" charset="0"/>
-                <a:cs typeface="Times New Roman" panose="02020603050405020304" pitchFamily="18" charset="0"/>
-              </a:rPr>
-              <a:t>user experience</a:t>
-            </a:r>
-            <a:endParaRPr lang="en-US" sz="2100" dirty="0">
-              <a:latin typeface="Times New Roman" panose="02020603050405020304" pitchFamily="18" charset="0"/>
-              <a:cs typeface="Times New Roman" panose="02020603050405020304" pitchFamily="18" charset="0"/>
-            </a:endParaRPr>
-          </a:p>
-          <a:p>
-            <a:r>
-              <a:rPr lang="en-US" u="sng" dirty="0" smtClean="0">
-                <a:latin typeface="Times New Roman" panose="02020603050405020304" pitchFamily="18" charset="0"/>
-                <a:cs typeface="Times New Roman" panose="02020603050405020304" pitchFamily="18" charset="0"/>
-              </a:rPr>
               <a:t>Mobility Testing</a:t>
-            </a:r>
-            <a:endParaRPr lang="en-US" u="sng" dirty="0">
-              <a:latin typeface="Times New Roman" panose="02020603050405020304" pitchFamily="18" charset="0"/>
-              <a:cs typeface="Times New Roman" panose="02020603050405020304" pitchFamily="18" charset="0"/>
-            </a:endParaRPr>
-          </a:p>
-          <a:p>
-            <a:pPr lvl="1"/>
-            <a:r>
-              <a:rPr lang="en-US" sz="2100" dirty="0">
-                <a:latin typeface="Times New Roman" panose="02020603050405020304" pitchFamily="18" charset="0"/>
-                <a:cs typeface="Times New Roman" panose="02020603050405020304" pitchFamily="18" charset="0"/>
-              </a:rPr>
-              <a:t>It involves testing </a:t>
-            </a:r>
-            <a:r>
-              <a:rPr lang="en-US" sz="2100" dirty="0">
-                <a:latin typeface="Times New Roman" panose="02020603050405020304" pitchFamily="18" charset="0"/>
-                <a:cs typeface="Times New Roman" panose="02020603050405020304" pitchFamily="18" charset="0"/>
-              </a:rPr>
-              <a:t>the device’s location-based functions, </a:t>
-            </a:r>
-            <a:r>
-              <a:rPr lang="en-US" sz="2100" dirty="0" smtClean="0">
-                <a:latin typeface="Times New Roman" panose="02020603050405020304" pitchFamily="18" charset="0"/>
-                <a:cs typeface="Times New Roman" panose="02020603050405020304" pitchFamily="18" charset="0"/>
-              </a:rPr>
-              <a:t>features etc.</a:t>
-            </a:r>
-            <a:endParaRPr lang="en-US" sz="2100" dirty="0">
-              <a:latin typeface="Times New Roman" panose="02020603050405020304" pitchFamily="18" charset="0"/>
-              <a:cs typeface="Times New Roman" panose="02020603050405020304" pitchFamily="18" charset="0"/>
-            </a:endParaRPr>
-          </a:p>
-        </p:txBody>
-      </p:sp>
-      <p:sp>
-        <p:nvSpPr>
-          <p:cNvPr id="5" name="Text Placeholder 4"/>
-          <p:cNvSpPr>
-            <a:spLocks noGrp="1"/>
-          </p:cNvSpPr>
-          <p:nvPr>
-            <p:ph type="body" sz="quarter" idx="3"/>
-          </p:nvPr>
-        </p:nvSpPr>
-        <p:spPr/>
-        <p:txBody>
-          <a:bodyPr>
-            <a:normAutofit/>
-          </a:bodyPr>
-          <a:lstStyle/>
-          <a:p>
-            <a:r>
-              <a:rPr lang="en-US" sz="2800" dirty="0" smtClean="0">
-                <a:latin typeface="Times New Roman" panose="02020603050405020304" pitchFamily="18" charset="0"/>
-                <a:cs typeface="Times New Roman" panose="02020603050405020304" pitchFamily="18" charset="0"/>
-              </a:rPr>
-              <a:t>Web apps</a:t>
-            </a:r>
-            <a:endParaRPr lang="en-US" sz="2800" dirty="0">
-              <a:latin typeface="Times New Roman" panose="02020603050405020304" pitchFamily="18" charset="0"/>
-              <a:cs typeface="Times New Roman" panose="02020603050405020304" pitchFamily="18" charset="0"/>
-            </a:endParaRPr>
-          </a:p>
-        </p:txBody>
-      </p:sp>
-      <p:sp>
-        <p:nvSpPr>
-          <p:cNvPr id="6" name="Content Placeholder 5"/>
-          <p:cNvSpPr>
-            <a:spLocks noGrp="1"/>
-          </p:cNvSpPr>
-          <p:nvPr>
-            <p:ph sz="quarter" idx="4"/>
-          </p:nvPr>
-        </p:nvSpPr>
-        <p:spPr/>
-        <p:txBody>
-          <a:bodyPr>
-            <a:normAutofit fontScale="77500" lnSpcReduction="20000"/>
-          </a:bodyPr>
-          <a:lstStyle/>
-          <a:p>
-            <a:r>
-              <a:rPr lang="en-US" sz="2600" u="sng" dirty="0">
-                <a:latin typeface="Times New Roman" panose="02020603050405020304" pitchFamily="18" charset="0"/>
-                <a:cs typeface="Times New Roman" panose="02020603050405020304" pitchFamily="18" charset="0"/>
-              </a:rPr>
-              <a:t>Mobile Connectivity Testing</a:t>
             </a:r>
           </a:p>
           <a:p>
@@ -8288,182 +7982,8 @@
                 <a:latin typeface="Times New Roman" panose="02020603050405020304" pitchFamily="18" charset="0"/>
                 <a:cs typeface="Times New Roman" panose="02020603050405020304" pitchFamily="18" charset="0"/>
               </a:rPr>
-              <a:t>it is important to test with </a:t>
-            </a:r>
-            <a:r>
-              <a:rPr lang="en-US" sz="2300" dirty="0">
-                <a:latin typeface="Times New Roman" panose="02020603050405020304" pitchFamily="18" charset="0"/>
-                <a:cs typeface="Times New Roman" panose="02020603050405020304" pitchFamily="18" charset="0"/>
-              </a:rPr>
-              <a:t>Internet connectivity </a:t>
-            </a:r>
-            <a:r>
-              <a:rPr lang="en-US" sz="2300" dirty="0">
-                <a:latin typeface="Times New Roman" panose="02020603050405020304" pitchFamily="18" charset="0"/>
-                <a:cs typeface="Times New Roman" panose="02020603050405020304" pitchFamily="18" charset="0"/>
-              </a:rPr>
-              <a:t>and diverse wireless air protocols </a:t>
-            </a:r>
-            <a:r>
-              <a:rPr lang="en-US" sz="2300" dirty="0">
-                <a:latin typeface="Times New Roman" panose="02020603050405020304" pitchFamily="18" charset="0"/>
-                <a:cs typeface="Times New Roman" panose="02020603050405020304" pitchFamily="18" charset="0"/>
-              </a:rPr>
-              <a:t>in mind</a:t>
-            </a:r>
-            <a:r>
-              <a:rPr lang="en-US" sz="2300" dirty="0">
-                <a:latin typeface="Times New Roman" panose="02020603050405020304" pitchFamily="18" charset="0"/>
-                <a:cs typeface="Times New Roman" panose="02020603050405020304" pitchFamily="18" charset="0"/>
-              </a:rPr>
-              <a:t>, as well as the mobile connections between </a:t>
-            </a:r>
-            <a:r>
-              <a:rPr lang="en-US" sz="2300" dirty="0">
-                <a:latin typeface="Times New Roman" panose="02020603050405020304" pitchFamily="18" charset="0"/>
-                <a:cs typeface="Times New Roman" panose="02020603050405020304" pitchFamily="18" charset="0"/>
-              </a:rPr>
-              <a:t>clients and </a:t>
-            </a:r>
-            <a:r>
-              <a:rPr lang="en-US" sz="2300" dirty="0">
-                <a:latin typeface="Times New Roman" panose="02020603050405020304" pitchFamily="18" charset="0"/>
-                <a:cs typeface="Times New Roman" panose="02020603050405020304" pitchFamily="18" charset="0"/>
-              </a:rPr>
-              <a:t>servers</a:t>
-            </a:r>
-            <a:r>
-              <a:rPr lang="en-US" sz="2300" dirty="0" smtClean="0">
-                <a:latin typeface="Times New Roman" panose="02020603050405020304" pitchFamily="18" charset="0"/>
-                <a:cs typeface="Times New Roman" panose="02020603050405020304" pitchFamily="18" charset="0"/>
-              </a:rPr>
-              <a:t>.</a:t>
-            </a:r>
-            <a:endParaRPr lang="en-US" sz="2300" dirty="0">
-              <a:latin typeface="Times New Roman" panose="02020603050405020304" pitchFamily="18" charset="0"/>
-              <a:cs typeface="Times New Roman" panose="02020603050405020304" pitchFamily="18" charset="0"/>
-            </a:endParaRPr>
-          </a:p>
-          <a:p>
-            <a:r>
-              <a:rPr lang="en-US" sz="2600" u="sng" dirty="0" smtClean="0">
-                <a:latin typeface="Times New Roman" panose="02020603050405020304" pitchFamily="18" charset="0"/>
-                <a:cs typeface="Times New Roman" panose="02020603050405020304" pitchFamily="18" charset="0"/>
-              </a:rPr>
-              <a:t>Usability </a:t>
-            </a:r>
-            <a:r>
-              <a:rPr lang="en-US" sz="2600" u="sng" dirty="0">
-                <a:latin typeface="Times New Roman" panose="02020603050405020304" pitchFamily="18" charset="0"/>
-                <a:cs typeface="Times New Roman" panose="02020603050405020304" pitchFamily="18" charset="0"/>
-              </a:rPr>
-              <a:t>Testing</a:t>
-            </a:r>
-          </a:p>
-          <a:p>
-            <a:pPr lvl="1"/>
-            <a:r>
-              <a:rPr lang="en-US" sz="2300" dirty="0">
-                <a:latin typeface="Times New Roman" panose="02020603050405020304" pitchFamily="18" charset="0"/>
-                <a:cs typeface="Times New Roman" panose="02020603050405020304" pitchFamily="18" charset="0"/>
-              </a:rPr>
-              <a:t>It </a:t>
-            </a:r>
-            <a:r>
-              <a:rPr lang="en-US" sz="2300" dirty="0">
-                <a:latin typeface="Times New Roman" panose="02020603050405020304" pitchFamily="18" charset="0"/>
-                <a:cs typeface="Times New Roman" panose="02020603050405020304" pitchFamily="18" charset="0"/>
-              </a:rPr>
-              <a:t>focuses on Web-based GUI content, interfaces, </a:t>
-            </a:r>
-            <a:r>
-              <a:rPr lang="en-US" sz="2300" dirty="0">
-                <a:latin typeface="Times New Roman" panose="02020603050405020304" pitchFamily="18" charset="0"/>
-                <a:cs typeface="Times New Roman" panose="02020603050405020304" pitchFamily="18" charset="0"/>
-              </a:rPr>
-              <a:t>and user </a:t>
-            </a:r>
-            <a:r>
-              <a:rPr lang="en-US" sz="2300" dirty="0">
-                <a:latin typeface="Times New Roman" panose="02020603050405020304" pitchFamily="18" charset="0"/>
-                <a:cs typeface="Times New Roman" panose="02020603050405020304" pitchFamily="18" charset="0"/>
-              </a:rPr>
-              <a:t>operation flows</a:t>
-            </a:r>
-            <a:r>
-              <a:rPr lang="en-US" sz="2300" dirty="0" smtClean="0">
-                <a:latin typeface="Times New Roman" panose="02020603050405020304" pitchFamily="18" charset="0"/>
-                <a:cs typeface="Times New Roman" panose="02020603050405020304" pitchFamily="18" charset="0"/>
-              </a:rPr>
-              <a:t>.</a:t>
-            </a:r>
-          </a:p>
-          <a:p>
-            <a:pPr marL="0" indent="0">
-              <a:buNone/>
-            </a:pPr>
-            <a:endParaRPr lang="en-US" sz="2600" u="sng" dirty="0" smtClean="0">
-              <a:latin typeface="Times New Roman" panose="02020603050405020304" pitchFamily="18" charset="0"/>
-              <a:cs typeface="Times New Roman" panose="02020603050405020304" pitchFamily="18" charset="0"/>
-            </a:endParaRPr>
-          </a:p>
-          <a:p>
-            <a:r>
-              <a:rPr lang="en-US" sz="2800" u="sng" dirty="0" smtClean="0">
-                <a:latin typeface="Times New Roman" panose="02020603050405020304" pitchFamily="18" charset="0"/>
-                <a:cs typeface="Times New Roman" panose="02020603050405020304" pitchFamily="18" charset="0"/>
-              </a:rPr>
-              <a:t>Mobility </a:t>
-            </a:r>
-            <a:r>
-              <a:rPr lang="en-US" sz="2800" u="sng" dirty="0">
-                <a:latin typeface="Times New Roman" panose="02020603050405020304" pitchFamily="18" charset="0"/>
-                <a:cs typeface="Times New Roman" panose="02020603050405020304" pitchFamily="18" charset="0"/>
-              </a:rPr>
-              <a:t>Testing</a:t>
-            </a:r>
-          </a:p>
-          <a:p>
-            <a:pPr lvl="1"/>
-            <a:r>
-              <a:rPr lang="en-US" sz="2300" dirty="0">
-                <a:latin typeface="Times New Roman" panose="02020603050405020304" pitchFamily="18" charset="0"/>
-                <a:cs typeface="Times New Roman" panose="02020603050405020304" pitchFamily="18" charset="0"/>
-              </a:rPr>
-              <a:t>Focuses on </a:t>
-            </a:r>
-            <a:r>
-              <a:rPr lang="en-US" sz="2300" dirty="0">
-                <a:latin typeface="Times New Roman" panose="02020603050405020304" pitchFamily="18" charset="0"/>
-                <a:cs typeface="Times New Roman" panose="02020603050405020304" pitchFamily="18" charset="0"/>
-              </a:rPr>
-              <a:t>testing the quality of location-based </a:t>
-            </a:r>
-            <a:r>
-              <a:rPr lang="en-US" sz="2300" dirty="0">
-                <a:latin typeface="Times New Roman" panose="02020603050405020304" pitchFamily="18" charset="0"/>
-                <a:cs typeface="Times New Roman" panose="02020603050405020304" pitchFamily="18" charset="0"/>
-              </a:rPr>
-              <a:t>system functions</a:t>
-            </a:r>
-            <a:r>
-              <a:rPr lang="en-US" sz="2300" dirty="0">
-                <a:latin typeface="Times New Roman" panose="02020603050405020304" pitchFamily="18" charset="0"/>
-                <a:cs typeface="Times New Roman" panose="02020603050405020304" pitchFamily="18" charset="0"/>
-              </a:rPr>
-              <a:t>, data, and behaviors</a:t>
-            </a:r>
-            <a:r>
-              <a:rPr lang="en-US" sz="2300" dirty="0">
-                <a:latin typeface="Times New Roman" panose="02020603050405020304" pitchFamily="18" charset="0"/>
-                <a:cs typeface="Times New Roman" panose="02020603050405020304" pitchFamily="18" charset="0"/>
-              </a:rPr>
-              <a:t>.</a:t>
-            </a:r>
-            <a:endParaRPr lang="en-US" sz="2300" dirty="0">
-              <a:latin typeface="Times New Roman" panose="02020603050405020304" pitchFamily="18" charset="0"/>
-              <a:cs typeface="Times New Roman" panose="02020603050405020304" pitchFamily="18" charset="0"/>
-            </a:endParaRPr>
+              <a:t>Focuses on testing the quality of location-based system functions, data, and behaviors.</a:t>
+            </a:r>
           </a:p>
           <a:p>
             <a:pPr lvl="1"/>
@@ -8484,13 +8004,6 @@
   <p:clrMapOvr>
     <a:masterClrMapping/>
   </p:clrMapOvr>
-  <p:timing>
-    <p:tnLst>
-      <p:par>
-        <p:cTn id="1" dur="indefinite" restart="never" nodeType="tmRoot"/>
-      </p:par>
-    </p:tnLst>
-  </p:timing>
 </p:sld>
 </file>
 
@@ -8588,7 +8101,7 @@
           <a:lstStyle/>
           <a:p>
             <a:r>
-              <a:rPr lang="en-US" sz="4000" dirty="0" smtClean="0">
+              <a:rPr lang="en-US" sz="4000" dirty="0">
                 <a:solidFill>
                   <a:schemeClr val="accent1"/>
                 </a:solidFill>
@@ -8598,14 +8111,6 @@
               </a:rPr>
               <a:t>Test Process </a:t>
             </a:r>
-            <a:endParaRPr lang="en-US" sz="4000" dirty="0">
-              <a:solidFill>
-                <a:schemeClr val="accent1"/>
-              </a:solidFill>
-              <a:latin typeface="Times New Roman" panose="02020603050405020304" pitchFamily="18" charset="0"/>
-              <a:ea typeface="+mj-ea"/>
-              <a:cs typeface="Times New Roman" panose="02020603050405020304" pitchFamily="18" charset="0"/>
-            </a:endParaRPr>
           </a:p>
         </p:txBody>
       </p:sp>
@@ -8619,13 +8124,6 @@
   <p:clrMapOvr>
     <a:masterClrMapping/>
   </p:clrMapOvr>
-  <p:timing>
-    <p:tnLst>
-      <p:par>
-        <p:cTn id="1" dur="indefinite" restart="never" nodeType="tmRoot"/>
-      </p:par>
-    </p:tnLst>
-  </p:timing>
 </p:sld>
 </file>
 
@@ -8673,13 +8171,6 @@
               </a:rPr>
               <a:t>Test process for Native apps</a:t>
             </a:r>
-            <a:endParaRPr lang="en-US" sz="4000" dirty="0">
-              <a:solidFill>
-                <a:schemeClr val="accent1"/>
-              </a:solidFill>
-              <a:latin typeface="Times New Roman" panose="02020603050405020304" pitchFamily="18" charset="0"/>
-              <a:cs typeface="Times New Roman" panose="02020603050405020304" pitchFamily="18" charset="0"/>
-            </a:endParaRPr>
           </a:p>
         </p:txBody>
       </p:sp>
@@ -8701,201 +8192,68 @@
           <a:lstStyle/>
           <a:p>
             <a:r>
-              <a:rPr lang="en-US" sz="2000" dirty="0" smtClean="0">
-                <a:latin typeface="Times New Roman" panose="02020603050405020304" pitchFamily="18" charset="0"/>
-                <a:cs typeface="Times New Roman" panose="02020603050405020304" pitchFamily="18" charset="0"/>
-              </a:rPr>
-              <a:t>Component </a:t>
-            </a:r>
-            <a:r>
               <a:rPr lang="en-US" sz="2000" dirty="0">
                 <a:latin typeface="Times New Roman" panose="02020603050405020304" pitchFamily="18" charset="0"/>
                 <a:cs typeface="Times New Roman" panose="02020603050405020304" pitchFamily="18" charset="0"/>
               </a:rPr>
-              <a:t>testing, includes both black- </a:t>
-            </a:r>
-            <a:r>
-              <a:rPr lang="en-US" sz="2000" dirty="0" smtClean="0">
-                <a:latin typeface="Times New Roman" panose="02020603050405020304" pitchFamily="18" charset="0"/>
-                <a:cs typeface="Times New Roman" panose="02020603050405020304" pitchFamily="18" charset="0"/>
-              </a:rPr>
-              <a:t>and white-box </a:t>
-            </a:r>
+              <a:t>Component testing, includes both black- and white-box testing as well as native API interactions.</a:t>
+            </a:r>
+          </a:p>
+          <a:p>
             <a:r>
               <a:rPr lang="en-US" sz="2000" dirty="0">
                 <a:latin typeface="Times New Roman" panose="02020603050405020304" pitchFamily="18" charset="0"/>
                 <a:cs typeface="Times New Roman" panose="02020603050405020304" pitchFamily="18" charset="0"/>
               </a:rPr>
-              <a:t>testing as well as native API interactions.</a:t>
-            </a:r>
-          </a:p>
-          <a:p>
-            <a:r>
-              <a:rPr lang="en-US" sz="2000" dirty="0" smtClean="0">
+              <a:t>Function testing, focuses on validating functions, GUI-based scenarios, and native behaviors, such as gesture testing on mobile clients.</a:t>
+            </a:r>
+          </a:p>
+          <a:p>
+            <a:r>
+              <a:rPr lang="en-US" sz="2000" dirty="0" err="1">
                 <a:latin typeface="Times New Roman" panose="02020603050405020304" pitchFamily="18" charset="0"/>
                 <a:cs typeface="Times New Roman" panose="02020603050405020304" pitchFamily="18" charset="0"/>
               </a:rPr>
-              <a:t>Function testing</a:t>
+              <a:t>QoS</a:t>
             </a:r>
             <a:r>
               <a:rPr lang="en-US" sz="2000" dirty="0">
                 <a:latin typeface="Times New Roman" panose="02020603050405020304" pitchFamily="18" charset="0"/>
                 <a:cs typeface="Times New Roman" panose="02020603050405020304" pitchFamily="18" charset="0"/>
               </a:rPr>
-              <a:t>, focuses on validating </a:t>
-            </a:r>
-            <a:r>
-              <a:rPr lang="en-US" sz="2000" dirty="0" smtClean="0">
+              <a:t> testing, checks </a:t>
+            </a:r>
+            <a:r>
+              <a:rPr lang="en-US" sz="2000" dirty="0" err="1">
                 <a:latin typeface="Times New Roman" panose="02020603050405020304" pitchFamily="18" charset="0"/>
                 <a:cs typeface="Times New Roman" panose="02020603050405020304" pitchFamily="18" charset="0"/>
               </a:rPr>
-              <a:t>functions, GUI-based </a:t>
+              <a:t>QoS</a:t>
             </a:r>
             <a:r>
               <a:rPr lang="en-US" sz="2000" dirty="0">
                 <a:latin typeface="Times New Roman" panose="02020603050405020304" pitchFamily="18" charset="0"/>
                 <a:cs typeface="Times New Roman" panose="02020603050405020304" pitchFamily="18" charset="0"/>
               </a:rPr>
-              <a:t>scenarios, and native </a:t>
-            </a:r>
-            <a:r>
-              <a:rPr lang="en-US" sz="2000" dirty="0" smtClean="0">
-                <a:latin typeface="Times New Roman" panose="02020603050405020304" pitchFamily="18" charset="0"/>
-                <a:cs typeface="Times New Roman" panose="02020603050405020304" pitchFamily="18" charset="0"/>
-              </a:rPr>
-              <a:t>behaviors, such </a:t>
-            </a:r>
+              <a:t> attributes, including performance, reliability, availability, and security.</a:t>
+            </a:r>
+          </a:p>
+          <a:p>
             <a:r>
               <a:rPr lang="en-US" sz="2000" dirty="0">
                 <a:latin typeface="Times New Roman" panose="02020603050405020304" pitchFamily="18" charset="0"/>
                 <a:cs typeface="Times New Roman" panose="02020603050405020304" pitchFamily="18" charset="0"/>
               </a:rPr>
-              <a:t>as gesture testing on mobile clients.</a:t>
-            </a:r>
-          </a:p>
-          <a:p>
-            <a:r>
-              <a:rPr lang="en-US" sz="2000" dirty="0" err="1" smtClean="0">
-                <a:latin typeface="Times New Roman" panose="02020603050405020304" pitchFamily="18" charset="0"/>
-                <a:cs typeface="Times New Roman" panose="02020603050405020304" pitchFamily="18" charset="0"/>
-              </a:rPr>
-              <a:t>QoS</a:t>
-            </a:r>
-            <a:r>
-              <a:rPr lang="en-US" sz="2000" dirty="0" smtClean="0">
-                <a:latin typeface="Times New Roman" panose="02020603050405020304" pitchFamily="18" charset="0"/>
-                <a:cs typeface="Times New Roman" panose="02020603050405020304" pitchFamily="18" charset="0"/>
-              </a:rPr>
-              <a:t> </a:t>
-            </a:r>
+              <a:t>Feature testing, validates network connectivity, compatibility, interoperability, mobility, and usability</a:t>
+            </a:r>
+          </a:p>
+          <a:p>
             <a:r>
               <a:rPr lang="en-US" sz="2000" dirty="0">
                 <a:latin typeface="Times New Roman" panose="02020603050405020304" pitchFamily="18" charset="0"/>
                 <a:cs typeface="Times New Roman" panose="02020603050405020304" pitchFamily="18" charset="0"/>
               </a:rPr>
-              <a:t>testing, checks </a:t>
-            </a:r>
-            <a:r>
-              <a:rPr lang="en-US" sz="2000" dirty="0" err="1">
-                <a:latin typeface="Times New Roman" panose="02020603050405020304" pitchFamily="18" charset="0"/>
-                <a:cs typeface="Times New Roman" panose="02020603050405020304" pitchFamily="18" charset="0"/>
-              </a:rPr>
-              <a:t>QoS</a:t>
-            </a:r>
-            <a:r>
-              <a:rPr lang="en-US" sz="2000" dirty="0">
-                <a:latin typeface="Times New Roman" panose="02020603050405020304" pitchFamily="18" charset="0"/>
-                <a:cs typeface="Times New Roman" panose="02020603050405020304" pitchFamily="18" charset="0"/>
-              </a:rPr>
-              <a:t> attributes, </a:t>
-            </a:r>
-            <a:r>
-              <a:rPr lang="en-US" sz="2000" dirty="0" smtClean="0">
-                <a:latin typeface="Times New Roman" panose="02020603050405020304" pitchFamily="18" charset="0"/>
-                <a:cs typeface="Times New Roman" panose="02020603050405020304" pitchFamily="18" charset="0"/>
-              </a:rPr>
-              <a:t>including performance</a:t>
-            </a:r>
-            <a:r>
-              <a:rPr lang="en-US" sz="2000" dirty="0">
-                <a:latin typeface="Times New Roman" panose="02020603050405020304" pitchFamily="18" charset="0"/>
-                <a:cs typeface="Times New Roman" panose="02020603050405020304" pitchFamily="18" charset="0"/>
-              </a:rPr>
-              <a:t>, reliability, availability, and security.</a:t>
-            </a:r>
-          </a:p>
-          <a:p>
-            <a:r>
-              <a:rPr lang="en-US" sz="2000" dirty="0" smtClean="0">
-                <a:latin typeface="Times New Roman" panose="02020603050405020304" pitchFamily="18" charset="0"/>
-                <a:cs typeface="Times New Roman" panose="02020603050405020304" pitchFamily="18" charset="0"/>
-              </a:rPr>
-              <a:t>Feature </a:t>
-            </a:r>
-            <a:r>
-              <a:rPr lang="en-US" sz="2000" dirty="0">
-                <a:latin typeface="Times New Roman" panose="02020603050405020304" pitchFamily="18" charset="0"/>
-                <a:cs typeface="Times New Roman" panose="02020603050405020304" pitchFamily="18" charset="0"/>
-              </a:rPr>
-              <a:t>testing, validates network </a:t>
-            </a:r>
-            <a:r>
-              <a:rPr lang="en-US" sz="2000" dirty="0" smtClean="0">
-                <a:latin typeface="Times New Roman" panose="02020603050405020304" pitchFamily="18" charset="0"/>
-                <a:cs typeface="Times New Roman" panose="02020603050405020304" pitchFamily="18" charset="0"/>
-              </a:rPr>
-              <a:t>connectivity, compatibility</a:t>
-            </a:r>
-            <a:r>
-              <a:rPr lang="en-US" sz="2000" dirty="0">
-                <a:latin typeface="Times New Roman" panose="02020603050405020304" pitchFamily="18" charset="0"/>
-                <a:cs typeface="Times New Roman" panose="02020603050405020304" pitchFamily="18" charset="0"/>
-              </a:rPr>
-              <a:t>, interoperability, mobility, and usability</a:t>
-            </a:r>
-          </a:p>
-          <a:p>
-            <a:r>
-              <a:rPr lang="en-US" sz="2000" dirty="0" smtClean="0">
-                <a:latin typeface="Times New Roman" panose="02020603050405020304" pitchFamily="18" charset="0"/>
-                <a:cs typeface="Times New Roman" panose="02020603050405020304" pitchFamily="18" charset="0"/>
-              </a:rPr>
-              <a:t>Service </a:t>
-            </a:r>
-            <a:r>
-              <a:rPr lang="en-US" sz="2000" dirty="0">
-                <a:latin typeface="Times New Roman" panose="02020603050405020304" pitchFamily="18" charset="0"/>
-                <a:cs typeface="Times New Roman" panose="02020603050405020304" pitchFamily="18" charset="0"/>
-              </a:rPr>
-              <a:t>testing, looks at mobile app </a:t>
-            </a:r>
-            <a:r>
-              <a:rPr lang="en-US" sz="2000" dirty="0" smtClean="0">
-                <a:latin typeface="Times New Roman" panose="02020603050405020304" pitchFamily="18" charset="0"/>
-                <a:cs typeface="Times New Roman" panose="02020603050405020304" pitchFamily="18" charset="0"/>
-              </a:rPr>
-              <a:t>services, including </a:t>
-            </a:r>
-            <a:r>
-              <a:rPr lang="en-US" sz="2000" dirty="0">
-                <a:latin typeface="Times New Roman" panose="02020603050405020304" pitchFamily="18" charset="0"/>
-                <a:cs typeface="Times New Roman" panose="02020603050405020304" pitchFamily="18" charset="0"/>
-              </a:rPr>
-              <a:t>download, installation, deployment, </a:t>
-            </a:r>
-            <a:r>
-              <a:rPr lang="en-US" sz="2000" dirty="0" smtClean="0">
-                <a:latin typeface="Times New Roman" panose="02020603050405020304" pitchFamily="18" charset="0"/>
-                <a:cs typeface="Times New Roman" panose="02020603050405020304" pitchFamily="18" charset="0"/>
-              </a:rPr>
-              <a:t>service security</a:t>
-            </a:r>
-            <a:r>
-              <a:rPr lang="en-US" sz="2000" dirty="0">
-                <a:latin typeface="Times New Roman" panose="02020603050405020304" pitchFamily="18" charset="0"/>
-                <a:cs typeface="Times New Roman" panose="02020603050405020304" pitchFamily="18" charset="0"/>
-              </a:rPr>
-              <a:t>, and synchronization.</a:t>
+              <a:t>Service testing, looks at mobile app services, including download, installation, deployment, service security, and synchronization.</a:t>
             </a:r>
           </a:p>
         </p:txBody>
@@ -8910,13 +8268,6 @@
   <p:clrMapOvr>
     <a:masterClrMapping/>
   </p:clrMapOvr>
-  <p:timing>
-    <p:tnLst>
-      <p:par>
-        <p:cTn id="1" dur="indefinite" restart="never" nodeType="tmRoot"/>
-      </p:par>
-    </p:tnLst>
-  </p:timing>
 </p:sld>
 </file>
 
@@ -8960,27 +8311,7 @@
                 <a:latin typeface="Times New Roman" panose="02020603050405020304" pitchFamily="18" charset="0"/>
                 <a:cs typeface="Times New Roman" panose="02020603050405020304" pitchFamily="18" charset="0"/>
               </a:rPr>
-              <a:t>Test process for </a:t>
-            </a:r>
-            <a:r>
-              <a:rPr lang="en-US" dirty="0" smtClean="0">
-                <a:solidFill>
-                  <a:schemeClr val="accent1"/>
-                </a:solidFill>
-                <a:latin typeface="Times New Roman" panose="02020603050405020304" pitchFamily="18" charset="0"/>
-                <a:cs typeface="Times New Roman" panose="02020603050405020304" pitchFamily="18" charset="0"/>
-              </a:rPr>
-              <a:t>Web </a:t>
-            </a:r>
-            <a:r>
-              <a:rPr lang="en-US" dirty="0">
-                <a:solidFill>
-                  <a:schemeClr val="accent1"/>
-                </a:solidFill>
-                <a:latin typeface="Times New Roman" panose="02020603050405020304" pitchFamily="18" charset="0"/>
-                <a:cs typeface="Times New Roman" panose="02020603050405020304" pitchFamily="18" charset="0"/>
-              </a:rPr>
-              <a:t>apps</a:t>
+              <a:t>Test process for Web apps</a:t>
             </a:r>
             <a:endParaRPr lang="en-US" dirty="0"/>
           </a:p>
@@ -9008,260 +8339,57 @@
                 <a:latin typeface="Times New Roman" panose="02020603050405020304" pitchFamily="18" charset="0"/>
                 <a:cs typeface="Times New Roman" panose="02020603050405020304" pitchFamily="18" charset="0"/>
               </a:rPr>
-              <a:t>C</a:t>
-            </a:r>
-            <a:r>
-              <a:rPr lang="en-US" sz="2000" dirty="0" smtClean="0">
-                <a:latin typeface="Times New Roman" panose="02020603050405020304" pitchFamily="18" charset="0"/>
-                <a:cs typeface="Times New Roman" panose="02020603050405020304" pitchFamily="18" charset="0"/>
-              </a:rPr>
-              <a:t>omponent </a:t>
-            </a:r>
+              <a:t>Component testing, validates the quality of software components in mobile Web clients and the related server components using black- and white-box testing methods.</a:t>
+            </a:r>
+          </a:p>
+          <a:p>
             <a:r>
               <a:rPr lang="en-US" sz="2000" dirty="0">
                 <a:latin typeface="Times New Roman" panose="02020603050405020304" pitchFamily="18" charset="0"/>
                 <a:cs typeface="Times New Roman" panose="02020603050405020304" pitchFamily="18" charset="0"/>
               </a:rPr>
-              <a:t>testing, validates the quality </a:t>
-            </a:r>
+              <a:t>System integration, focuses on component integration with the system (mobile client and server).</a:t>
+            </a:r>
+          </a:p>
+          <a:p>
             <a:r>
               <a:rPr lang="en-US" sz="2000" dirty="0">
                 <a:latin typeface="Times New Roman" panose="02020603050405020304" pitchFamily="18" charset="0"/>
                 <a:cs typeface="Times New Roman" panose="02020603050405020304" pitchFamily="18" charset="0"/>
               </a:rPr>
-              <a:t>of software </a:t>
-            </a:r>
+              <a:t>Function testing, targets mobile Web service function quality, end-to-end business transactions, Web GUI scenarios, and Web-based mobile behaviors and gestures.</a:t>
+            </a:r>
+          </a:p>
+          <a:p>
             <a:r>
               <a:rPr lang="en-US" sz="2000" dirty="0">
                 <a:latin typeface="Times New Roman" panose="02020603050405020304" pitchFamily="18" charset="0"/>
                 <a:cs typeface="Times New Roman" panose="02020603050405020304" pitchFamily="18" charset="0"/>
               </a:rPr>
-              <a:t>components in mobile Web clients and </a:t>
+              <a:t>System testing, considers </a:t>
+            </a:r>
+            <a:r>
+              <a:rPr lang="en-US" sz="2000" dirty="0" err="1">
+                <a:latin typeface="Times New Roman" panose="02020603050405020304" pitchFamily="18" charset="0"/>
+                <a:cs typeface="Times New Roman" panose="02020603050405020304" pitchFamily="18" charset="0"/>
+              </a:rPr>
+              <a:t>QoS</a:t>
             </a:r>
             <a:r>
               <a:rPr lang="en-US" sz="2000" dirty="0">
                 <a:latin typeface="Times New Roman" panose="02020603050405020304" pitchFamily="18" charset="0"/>
                 <a:cs typeface="Times New Roman" panose="02020603050405020304" pitchFamily="18" charset="0"/>
               </a:rPr>
-              <a:t>the related </a:t>
-            </a:r>
+              <a:t> requirements, including end-to-end system performance, load, reliability, availability, security, and scalability.</a:t>
+            </a:r>
+          </a:p>
+          <a:p>
             <a:r>
               <a:rPr lang="en-US" sz="2000" dirty="0">
                 <a:latin typeface="Times New Roman" panose="02020603050405020304" pitchFamily="18" charset="0"/>
                 <a:cs typeface="Times New Roman" panose="02020603050405020304" pitchFamily="18" charset="0"/>
               </a:rPr>
-              <a:t>server components using black- and </a:t>
-            </a:r>
-            <a:r>
-              <a:rPr lang="en-US" sz="2000" dirty="0">
-                <a:latin typeface="Times New Roman" panose="02020603050405020304" pitchFamily="18" charset="0"/>
-                <a:cs typeface="Times New Roman" panose="02020603050405020304" pitchFamily="18" charset="0"/>
-              </a:rPr>
-              <a:t>white-box testing </a:t>
-            </a:r>
-            <a:r>
-              <a:rPr lang="en-US" sz="2000" dirty="0">
-                <a:latin typeface="Times New Roman" panose="02020603050405020304" pitchFamily="18" charset="0"/>
-                <a:cs typeface="Times New Roman" panose="02020603050405020304" pitchFamily="18" charset="0"/>
-              </a:rPr>
-              <a:t>methods</a:t>
-            </a:r>
-            <a:r>
-              <a:rPr lang="en-US" sz="2000" dirty="0">
-                <a:latin typeface="Times New Roman" panose="02020603050405020304" pitchFamily="18" charset="0"/>
-                <a:cs typeface="Times New Roman" panose="02020603050405020304" pitchFamily="18" charset="0"/>
-              </a:rPr>
-              <a:t>.</a:t>
-            </a:r>
-          </a:p>
-          <a:p>
-            <a:r>
-              <a:rPr lang="en-US" sz="2000" dirty="0">
-                <a:latin typeface="Times New Roman" panose="02020603050405020304" pitchFamily="18" charset="0"/>
-                <a:cs typeface="Times New Roman" panose="02020603050405020304" pitchFamily="18" charset="0"/>
-              </a:rPr>
-              <a:t>System </a:t>
-            </a:r>
-            <a:r>
-              <a:rPr lang="en-US" sz="2000" dirty="0">
-                <a:latin typeface="Times New Roman" panose="02020603050405020304" pitchFamily="18" charset="0"/>
-                <a:cs typeface="Times New Roman" panose="02020603050405020304" pitchFamily="18" charset="0"/>
-              </a:rPr>
-              <a:t>integration, focuses on component </a:t>
-            </a:r>
-            <a:r>
-              <a:rPr lang="en-US" sz="2000" dirty="0">
-                <a:latin typeface="Times New Roman" panose="02020603050405020304" pitchFamily="18" charset="0"/>
-                <a:cs typeface="Times New Roman" panose="02020603050405020304" pitchFamily="18" charset="0"/>
-              </a:rPr>
-              <a:t>integration with </a:t>
-            </a:r>
-            <a:r>
-              <a:rPr lang="en-US" sz="2000" dirty="0">
-                <a:latin typeface="Times New Roman" panose="02020603050405020304" pitchFamily="18" charset="0"/>
-                <a:cs typeface="Times New Roman" panose="02020603050405020304" pitchFamily="18" charset="0"/>
-              </a:rPr>
-              <a:t>the system (mobile client and server).</a:t>
-            </a:r>
-          </a:p>
-          <a:p>
-            <a:r>
-              <a:rPr lang="en-US" sz="2000" dirty="0">
-                <a:latin typeface="Times New Roman" panose="02020603050405020304" pitchFamily="18" charset="0"/>
-                <a:cs typeface="Times New Roman" panose="02020603050405020304" pitchFamily="18" charset="0"/>
-              </a:rPr>
-              <a:t>Function </a:t>
-            </a:r>
-            <a:r>
-              <a:rPr lang="en-US" sz="2000" dirty="0">
-                <a:latin typeface="Times New Roman" panose="02020603050405020304" pitchFamily="18" charset="0"/>
-                <a:cs typeface="Times New Roman" panose="02020603050405020304" pitchFamily="18" charset="0"/>
-              </a:rPr>
-              <a:t>testing, targets mobile Web </a:t>
-            </a:r>
-            <a:r>
-              <a:rPr lang="en-US" sz="2000" dirty="0">
-                <a:latin typeface="Times New Roman" panose="02020603050405020304" pitchFamily="18" charset="0"/>
-                <a:cs typeface="Times New Roman" panose="02020603050405020304" pitchFamily="18" charset="0"/>
-              </a:rPr>
-              <a:t>service function </a:t>
-            </a:r>
-            <a:r>
-              <a:rPr lang="en-US" sz="2000" dirty="0">
-                <a:latin typeface="Times New Roman" panose="02020603050405020304" pitchFamily="18" charset="0"/>
-                <a:cs typeface="Times New Roman" panose="02020603050405020304" pitchFamily="18" charset="0"/>
-              </a:rPr>
-              <a:t>quality, end-to-end business </a:t>
-            </a:r>
-            <a:r>
-              <a:rPr lang="en-US" sz="2000" dirty="0">
-                <a:latin typeface="Times New Roman" panose="02020603050405020304" pitchFamily="18" charset="0"/>
-                <a:cs typeface="Times New Roman" panose="02020603050405020304" pitchFamily="18" charset="0"/>
-              </a:rPr>
-              <a:t>transactions, Web </a:t>
-            </a:r>
-            <a:r>
-              <a:rPr lang="en-US" sz="2000" dirty="0">
-                <a:latin typeface="Times New Roman" panose="02020603050405020304" pitchFamily="18" charset="0"/>
-                <a:cs typeface="Times New Roman" panose="02020603050405020304" pitchFamily="18" charset="0"/>
-              </a:rPr>
-              <a:t>GUI scenarios, and Web-based mobile </a:t>
-            </a:r>
-            <a:r>
-              <a:rPr lang="en-US" sz="2000" dirty="0">
-                <a:latin typeface="Times New Roman" panose="02020603050405020304" pitchFamily="18" charset="0"/>
-                <a:cs typeface="Times New Roman" panose="02020603050405020304" pitchFamily="18" charset="0"/>
-              </a:rPr>
-              <a:t>behaviors and </a:t>
-            </a:r>
-            <a:r>
-              <a:rPr lang="en-US" sz="2000" dirty="0">
-                <a:latin typeface="Times New Roman" panose="02020603050405020304" pitchFamily="18" charset="0"/>
-                <a:cs typeface="Times New Roman" panose="02020603050405020304" pitchFamily="18" charset="0"/>
-              </a:rPr>
-              <a:t>gestures.</a:t>
-            </a:r>
-          </a:p>
-          <a:p>
-            <a:r>
-              <a:rPr lang="en-US" sz="2000" dirty="0">
-                <a:latin typeface="Times New Roman" panose="02020603050405020304" pitchFamily="18" charset="0"/>
-                <a:cs typeface="Times New Roman" panose="02020603050405020304" pitchFamily="18" charset="0"/>
-              </a:rPr>
-              <a:t>System </a:t>
-            </a:r>
-            <a:r>
-              <a:rPr lang="en-US" sz="2000" dirty="0">
-                <a:latin typeface="Times New Roman" panose="02020603050405020304" pitchFamily="18" charset="0"/>
-                <a:cs typeface="Times New Roman" panose="02020603050405020304" pitchFamily="18" charset="0"/>
-              </a:rPr>
-              <a:t>testing, considers </a:t>
-            </a:r>
-            <a:r>
-              <a:rPr lang="en-US" sz="2000" dirty="0" err="1">
-                <a:latin typeface="Times New Roman" panose="02020603050405020304" pitchFamily="18" charset="0"/>
-                <a:cs typeface="Times New Roman" panose="02020603050405020304" pitchFamily="18" charset="0"/>
-              </a:rPr>
-              <a:t>QoS</a:t>
-            </a:r>
-            <a:r>
-              <a:rPr lang="en-US" sz="2000" dirty="0">
-                <a:latin typeface="Times New Roman" panose="02020603050405020304" pitchFamily="18" charset="0"/>
-                <a:cs typeface="Times New Roman" panose="02020603050405020304" pitchFamily="18" charset="0"/>
-              </a:rPr>
-              <a:t> </a:t>
-            </a:r>
-            <a:r>
-              <a:rPr lang="en-US" sz="2000" dirty="0">
-                <a:latin typeface="Times New Roman" panose="02020603050405020304" pitchFamily="18" charset="0"/>
-                <a:cs typeface="Times New Roman" panose="02020603050405020304" pitchFamily="18" charset="0"/>
-              </a:rPr>
-              <a:t>requirements, including </a:t>
-            </a:r>
-            <a:r>
-              <a:rPr lang="en-US" sz="2000" dirty="0">
-                <a:latin typeface="Times New Roman" panose="02020603050405020304" pitchFamily="18" charset="0"/>
-                <a:cs typeface="Times New Roman" panose="02020603050405020304" pitchFamily="18" charset="0"/>
-              </a:rPr>
-              <a:t>end-to-end system performance, load, </a:t>
-            </a:r>
-            <a:r>
-              <a:rPr lang="en-US" sz="2000" dirty="0">
-                <a:latin typeface="Times New Roman" panose="02020603050405020304" pitchFamily="18" charset="0"/>
-                <a:cs typeface="Times New Roman" panose="02020603050405020304" pitchFamily="18" charset="0"/>
-              </a:rPr>
-              <a:t>reliability, availability</a:t>
-            </a:r>
-            <a:r>
-              <a:rPr lang="en-US" sz="2000" dirty="0">
-                <a:latin typeface="Times New Roman" panose="02020603050405020304" pitchFamily="18" charset="0"/>
-                <a:cs typeface="Times New Roman" panose="02020603050405020304" pitchFamily="18" charset="0"/>
-              </a:rPr>
-              <a:t>, security, and scalability.</a:t>
-            </a:r>
-          </a:p>
-          <a:p>
-            <a:r>
-              <a:rPr lang="en-US" sz="2000" dirty="0">
-                <a:latin typeface="Times New Roman" panose="02020603050405020304" pitchFamily="18" charset="0"/>
-                <a:cs typeface="Times New Roman" panose="02020603050405020304" pitchFamily="18" charset="0"/>
-              </a:rPr>
-              <a:t>Feature </a:t>
-            </a:r>
-            <a:r>
-              <a:rPr lang="en-US" sz="2000" dirty="0">
-                <a:latin typeface="Times New Roman" panose="02020603050405020304" pitchFamily="18" charset="0"/>
-                <a:cs typeface="Times New Roman" panose="02020603050405020304" pitchFamily="18" charset="0"/>
-              </a:rPr>
-              <a:t>testing, targets quality, such as </a:t>
-            </a:r>
-            <a:r>
-              <a:rPr lang="en-US" sz="2000" dirty="0">
-                <a:latin typeface="Times New Roman" panose="02020603050405020304" pitchFamily="18" charset="0"/>
-                <a:cs typeface="Times New Roman" panose="02020603050405020304" pitchFamily="18" charset="0"/>
-              </a:rPr>
-              <a:t>mobile connectivity</a:t>
-            </a:r>
-            <a:r>
-              <a:rPr lang="en-US" sz="2000" dirty="0">
-                <a:latin typeface="Times New Roman" panose="02020603050405020304" pitchFamily="18" charset="0"/>
-                <a:cs typeface="Times New Roman" panose="02020603050405020304" pitchFamily="18" charset="0"/>
-              </a:rPr>
-              <a:t>, compatibility, usability, </a:t>
-            </a:r>
-            <a:r>
-              <a:rPr lang="en-US" sz="2000" dirty="0">
-                <a:latin typeface="Times New Roman" panose="02020603050405020304" pitchFamily="18" charset="0"/>
-                <a:cs typeface="Times New Roman" panose="02020603050405020304" pitchFamily="18" charset="0"/>
-              </a:rPr>
-              <a:t>interoperability, security</a:t>
-            </a:r>
-            <a:r>
-              <a:rPr lang="en-US" sz="2000" dirty="0">
-                <a:latin typeface="Times New Roman" panose="02020603050405020304" pitchFamily="18" charset="0"/>
-                <a:cs typeface="Times New Roman" panose="02020603050405020304" pitchFamily="18" charset="0"/>
-              </a:rPr>
-              <a:t>, and internationalization.</a:t>
+              <a:t>Feature testing, targets quality, such as mobile connectivity, compatibility, usability, interoperability, security, and internationalization.</a:t>
             </a:r>
           </a:p>
         </p:txBody>
@@ -9282,6 +8410,20 @@
 <file path=ppt/slides/slide17.xml><?xml version="1.0" encoding="utf-8"?>
 <p:sld xmlns:a="http://schemas.openxmlformats.org/drawingml/2006/main" xmlns:r="http://schemas.openxmlformats.org/officeDocument/2006/relationships" xmlns:p="http://schemas.openxmlformats.org/presentationml/2006/main">
   <p:cSld>
+    <p:bg>
+      <p:bgPr>
+        <a:blipFill dpi="0" rotWithShape="1">
+          <a:blip r:embed="rId2">
+            <a:lum/>
+          </a:blip>
+          <a:srcRect/>
+          <a:stretch>
+            <a:fillRect/>
+          </a:stretch>
+        </a:blipFill>
+        <a:effectLst/>
+      </p:bgPr>
+    </p:bg>
     <p:spTree>
       <p:nvGrpSpPr>
         <p:cNvPr id="1" name=""/>
@@ -9296,6 +8438,607 @@
           <a:chExt cx="0" cy="0"/>
         </a:xfrm>
       </p:grpSpPr>
+    </p:spTree>
+    <p:extLst>
+      <p:ext uri="{BB962C8B-B14F-4D97-AF65-F5344CB8AC3E}">
+        <p14:creationId xmlns:p14="http://schemas.microsoft.com/office/powerpoint/2010/main" val="2580598170"/>
+      </p:ext>
+    </p:extLst>
+  </p:cSld>
+  <p:clrMapOvr>
+    <a:masterClrMapping/>
+  </p:clrMapOvr>
+</p:sld>
+</file>
+
+<file path=ppt/slides/slide18.xml><?xml version="1.0" encoding="utf-8"?>
+<p:sld xmlns:a="http://schemas.openxmlformats.org/drawingml/2006/main" xmlns:r="http://schemas.openxmlformats.org/officeDocument/2006/relationships" xmlns:p="http://schemas.openxmlformats.org/presentationml/2006/main">
+  <p:cSld>
+    <p:spTree>
+      <p:nvGrpSpPr>
+        <p:cNvPr id="1" name=""/>
+        <p:cNvGrpSpPr/>
+        <p:nvPr/>
+      </p:nvGrpSpPr>
+      <p:grpSpPr>
+        <a:xfrm>
+          <a:off x="0" y="0"/>
+          <a:ext cx="0" cy="0"/>
+          <a:chOff x="0" y="0"/>
+          <a:chExt cx="0" cy="0"/>
+        </a:xfrm>
+      </p:grpSpPr>
+      <p:sp>
+        <p:nvSpPr>
+          <p:cNvPr id="2" name="Title 1"/>
+          <p:cNvSpPr>
+            <a:spLocks noGrp="1"/>
+          </p:cNvSpPr>
+          <p:nvPr>
+            <p:ph type="title"/>
+          </p:nvPr>
+        </p:nvSpPr>
+        <p:spPr/>
+        <p:txBody>
+          <a:bodyPr/>
+          <a:lstStyle/>
+          <a:p>
+            <a:r>
+              <a:rPr lang="en-US" dirty="0">
+                <a:solidFill>
+                  <a:srgbClr val="0070C0"/>
+                </a:solidFill>
+                <a:latin typeface="Times New Roman" panose="02020603050405020304" pitchFamily="18" charset="0"/>
+                <a:cs typeface="Times New Roman" panose="02020603050405020304" pitchFamily="18" charset="0"/>
+              </a:rPr>
+              <a:t>Issues, Challenges &amp; Needs</a:t>
+            </a:r>
+          </a:p>
+        </p:txBody>
+      </p:sp>
+      <p:sp>
+        <p:nvSpPr>
+          <p:cNvPr id="3" name="Content Placeholder 2"/>
+          <p:cNvSpPr>
+            <a:spLocks noGrp="1"/>
+          </p:cNvSpPr>
+          <p:nvPr>
+            <p:ph idx="1"/>
+          </p:nvPr>
+        </p:nvSpPr>
+        <p:spPr>
+          <a:xfrm>
+            <a:off x="457200" y="1262273"/>
+            <a:ext cx="8229600" cy="4525963"/>
+          </a:xfrm>
+        </p:spPr>
+        <p:txBody>
+          <a:bodyPr/>
+          <a:lstStyle/>
+          <a:p>
+            <a:r>
+              <a:rPr lang="en-US" sz="2800" b="1" dirty="0">
+                <a:latin typeface="Times New Roman" panose="02020603050405020304" pitchFamily="18" charset="0"/>
+                <a:cs typeface="Times New Roman" panose="02020603050405020304" pitchFamily="18" charset="0"/>
+              </a:rPr>
+              <a:t>Test environments:</a:t>
+            </a:r>
+          </a:p>
+          <a:p>
+            <a:pPr lvl="1"/>
+            <a:r>
+              <a:rPr lang="en-US" sz="1800" dirty="0">
+                <a:latin typeface="Times New Roman" panose="02020603050405020304" pitchFamily="18" charset="0"/>
+                <a:cs typeface="Times New Roman" panose="02020603050405020304" pitchFamily="18" charset="0"/>
+              </a:rPr>
+              <a:t>Involves high costs and levels of complexity</a:t>
+            </a:r>
+          </a:p>
+          <a:p>
+            <a:pPr lvl="1" algn="just"/>
+            <a:r>
+              <a:rPr lang="en-US" sz="1800" dirty="0">
+                <a:latin typeface="Times New Roman" panose="02020603050405020304" pitchFamily="18" charset="0"/>
+                <a:cs typeface="Times New Roman" panose="02020603050405020304" pitchFamily="18" charset="0"/>
+              </a:rPr>
+              <a:t>Setting up a mobile test environment for multiple apps on each mobile platform for a range of devices is tedious, time-consuming, and expensive, and frequent upgrades in both device and platform spaces only exacerbate this challenge.</a:t>
+            </a:r>
+          </a:p>
+          <a:p>
+            <a:pPr algn="just"/>
+            <a:r>
+              <a:rPr lang="en-US" sz="2200" b="1" dirty="0">
+                <a:latin typeface="Times New Roman" panose="02020603050405020304" pitchFamily="18" charset="0"/>
+                <a:cs typeface="Times New Roman" panose="02020603050405020304" pitchFamily="18" charset="0"/>
+              </a:rPr>
+              <a:t>What to do?</a:t>
+            </a:r>
+          </a:p>
+          <a:p>
+            <a:pPr lvl="1" algn="just"/>
+            <a:r>
+              <a:rPr lang="en-US" sz="2000" dirty="0">
+                <a:latin typeface="Times New Roman" panose="02020603050405020304" pitchFamily="18" charset="0"/>
+                <a:cs typeface="Times New Roman" panose="02020603050405020304" pitchFamily="18" charset="0"/>
+              </a:rPr>
+              <a:t>a reusable and systematic approach</a:t>
+            </a:r>
+          </a:p>
+          <a:p>
+            <a:pPr lvl="2" algn="just"/>
+            <a:r>
+              <a:rPr lang="en-US" sz="1800" dirty="0">
+                <a:latin typeface="Times New Roman" panose="02020603050405020304" pitchFamily="18" charset="0"/>
+                <a:cs typeface="Times New Roman" panose="02020603050405020304" pitchFamily="18" charset="0"/>
+              </a:rPr>
+              <a:t>unified connectivity to different mobile platforms on mobile devices</a:t>
+            </a:r>
+          </a:p>
+          <a:p>
+            <a:pPr lvl="2" algn="just"/>
+            <a:r>
+              <a:rPr lang="en-US" sz="1800" dirty="0">
+                <a:latin typeface="Times New Roman" panose="02020603050405020304" pitchFamily="18" charset="0"/>
+                <a:cs typeface="Times New Roman" panose="02020603050405020304" pitchFamily="18" charset="0"/>
+              </a:rPr>
+              <a:t>a configuration capability that supports the systematic deployment, installation, and execution of a given app on different platforms for specific mobile devices.</a:t>
+            </a:r>
+          </a:p>
+          <a:p>
+            <a:pPr lvl="2" algn="just"/>
+            <a:r>
+              <a:rPr lang="en-US" sz="1800" dirty="0">
+                <a:latin typeface="Times New Roman" panose="02020603050405020304" pitchFamily="18" charset="0"/>
+                <a:cs typeface="Times New Roman" panose="02020603050405020304" pitchFamily="18" charset="0"/>
+              </a:rPr>
+              <a:t>diverse mobile network configuration options.</a:t>
+            </a:r>
+          </a:p>
+        </p:txBody>
+      </p:sp>
+    </p:spTree>
+    <p:extLst>
+      <p:ext uri="{BB962C8B-B14F-4D97-AF65-F5344CB8AC3E}">
+        <p14:creationId xmlns:p14="http://schemas.microsoft.com/office/powerpoint/2010/main" val="4165897413"/>
+      </p:ext>
+    </p:extLst>
+  </p:cSld>
+  <p:clrMapOvr>
+    <a:masterClrMapping/>
+  </p:clrMapOvr>
+</p:sld>
+</file>
+
+<file path=ppt/slides/slide19.xml><?xml version="1.0" encoding="utf-8"?>
+<p:sld xmlns:a="http://schemas.openxmlformats.org/drawingml/2006/main" xmlns:r="http://schemas.openxmlformats.org/officeDocument/2006/relationships" xmlns:p="http://schemas.openxmlformats.org/presentationml/2006/main">
+  <p:cSld>
+    <p:spTree>
+      <p:nvGrpSpPr>
+        <p:cNvPr id="1" name=""/>
+        <p:cNvGrpSpPr/>
+        <p:nvPr/>
+      </p:nvGrpSpPr>
+      <p:grpSpPr>
+        <a:xfrm>
+          <a:off x="0" y="0"/>
+          <a:ext cx="0" cy="0"/>
+          <a:chOff x="0" y="0"/>
+          <a:chExt cx="0" cy="0"/>
+        </a:xfrm>
+      </p:grpSpPr>
+      <p:sp>
+        <p:nvSpPr>
+          <p:cNvPr id="2" name="Title 1"/>
+          <p:cNvSpPr>
+            <a:spLocks noGrp="1"/>
+          </p:cNvSpPr>
+          <p:nvPr>
+            <p:ph type="title"/>
+          </p:nvPr>
+        </p:nvSpPr>
+        <p:spPr/>
+        <p:txBody>
+          <a:bodyPr/>
+          <a:lstStyle/>
+          <a:p>
+            <a:r>
+              <a:rPr lang="en-US" dirty="0">
+                <a:solidFill>
+                  <a:srgbClr val="0070C0"/>
+                </a:solidFill>
+                <a:latin typeface="Times New Roman" panose="02020603050405020304" pitchFamily="18" charset="0"/>
+                <a:cs typeface="Times New Roman" panose="02020603050405020304" pitchFamily="18" charset="0"/>
+              </a:rPr>
+              <a:t>Issues, Challenges &amp; Needs</a:t>
+            </a:r>
+            <a:endParaRPr lang="en-US" dirty="0"/>
+          </a:p>
+        </p:txBody>
+      </p:sp>
+      <p:sp>
+        <p:nvSpPr>
+          <p:cNvPr id="3" name="Content Placeholder 2"/>
+          <p:cNvSpPr>
+            <a:spLocks noGrp="1"/>
+          </p:cNvSpPr>
+          <p:nvPr>
+            <p:ph idx="1"/>
+          </p:nvPr>
+        </p:nvSpPr>
+        <p:spPr/>
+        <p:txBody>
+          <a:bodyPr>
+            <a:normAutofit/>
+          </a:bodyPr>
+          <a:lstStyle/>
+          <a:p>
+            <a:r>
+              <a:rPr lang="en-US" sz="2800" b="1" dirty="0">
+                <a:latin typeface="Times New Roman" panose="02020603050405020304" pitchFamily="18" charset="0"/>
+                <a:cs typeface="Times New Roman" panose="02020603050405020304" pitchFamily="18" charset="0"/>
+              </a:rPr>
+              <a:t>Standards, modeling, and coverage criteria</a:t>
+            </a:r>
+          </a:p>
+          <a:p>
+            <a:endParaRPr lang="en-US" sz="1800" dirty="0">
+              <a:latin typeface="Times New Roman" panose="02020603050405020304" pitchFamily="18" charset="0"/>
+              <a:cs typeface="Times New Roman" panose="02020603050405020304" pitchFamily="18" charset="0"/>
+            </a:endParaRPr>
+          </a:p>
+          <a:p>
+            <a:pPr lvl="1"/>
+            <a:r>
+              <a:rPr lang="en-US" sz="1800" dirty="0">
+                <a:latin typeface="Times New Roman" panose="02020603050405020304" pitchFamily="18" charset="0"/>
+                <a:cs typeface="Times New Roman" panose="02020603050405020304" pitchFamily="18" charset="0"/>
+              </a:rPr>
+              <a:t>Existing test models and coverage criteria can help address mobile program structures, dynamic behaviors, and GUI operation flows, but we still need to address the distinct requirements of mobile app testing.</a:t>
+            </a:r>
+          </a:p>
+          <a:p>
+            <a:pPr lvl="1"/>
+            <a:r>
+              <a:rPr lang="en-US" sz="1800" dirty="0">
+                <a:latin typeface="Times New Roman" panose="02020603050405020304" pitchFamily="18" charset="0"/>
+                <a:cs typeface="Times New Roman" panose="02020603050405020304" pitchFamily="18" charset="0"/>
+              </a:rPr>
+              <a:t>Also a model is needed to address test coverage, taking into account underlying operational contexts that include a variety of mobile devices, platforms, browsers, and native APIs</a:t>
+            </a:r>
+          </a:p>
+          <a:p>
+            <a:endParaRPr lang="en-US" sz="1800" dirty="0">
+              <a:latin typeface="Times New Roman" panose="02020603050405020304" pitchFamily="18" charset="0"/>
+              <a:cs typeface="Times New Roman" panose="02020603050405020304" pitchFamily="18" charset="0"/>
+            </a:endParaRPr>
+          </a:p>
+        </p:txBody>
+      </p:sp>
+    </p:spTree>
+    <p:extLst>
+      <p:ext uri="{BB962C8B-B14F-4D97-AF65-F5344CB8AC3E}">
+        <p14:creationId xmlns:p14="http://schemas.microsoft.com/office/powerpoint/2010/main" val="428605769"/>
+      </p:ext>
+    </p:extLst>
+  </p:cSld>
+  <p:clrMapOvr>
+    <a:masterClrMapping/>
+  </p:clrMapOvr>
+</p:sld>
+</file>
+
+<file path=ppt/slides/slide2.xml><?xml version="1.0" encoding="utf-8"?>
+<p:sld xmlns:a="http://schemas.openxmlformats.org/drawingml/2006/main" xmlns:r="http://schemas.openxmlformats.org/officeDocument/2006/relationships" xmlns:p="http://schemas.openxmlformats.org/presentationml/2006/main">
+  <p:cSld>
+    <p:spTree>
+      <p:nvGrpSpPr>
+        <p:cNvPr id="1" name=""/>
+        <p:cNvGrpSpPr/>
+        <p:nvPr/>
+      </p:nvGrpSpPr>
+      <p:grpSpPr>
+        <a:xfrm>
+          <a:off x="0" y="0"/>
+          <a:ext cx="0" cy="0"/>
+          <a:chOff x="0" y="0"/>
+          <a:chExt cx="0" cy="0"/>
+        </a:xfrm>
+      </p:grpSpPr>
+      <p:sp>
+        <p:nvSpPr>
+          <p:cNvPr id="2" name="Title 1"/>
+          <p:cNvSpPr>
+            <a:spLocks noGrp="1"/>
+          </p:cNvSpPr>
+          <p:nvPr>
+            <p:ph type="title"/>
+          </p:nvPr>
+        </p:nvSpPr>
+        <p:spPr>
+          <a:xfrm>
+            <a:off x="-1252024" y="1477108"/>
+            <a:ext cx="9200270" cy="661181"/>
+          </a:xfrm>
+        </p:spPr>
+        <p:txBody>
+          <a:bodyPr>
+            <a:normAutofit fontScale="90000"/>
+          </a:bodyPr>
+          <a:lstStyle/>
+          <a:p>
+            <a:r>
+              <a:rPr lang="en-US" sz="3200" dirty="0">
+                <a:solidFill>
+                  <a:srgbClr val="0070C0"/>
+                </a:solidFill>
+              </a:rPr>
+              <a:t>MOBILE APPLICATION TESTING</a:t>
+            </a:r>
+            <a:r>
+              <a:rPr lang="en-US" dirty="0">
+                <a:solidFill>
+                  <a:srgbClr val="0070C0"/>
+                </a:solidFill>
+              </a:rPr>
+              <a:t>:</a:t>
+            </a:r>
+          </a:p>
+        </p:txBody>
+      </p:sp>
+      <p:sp>
+        <p:nvSpPr>
+          <p:cNvPr id="3" name="Content Placeholder 2"/>
+          <p:cNvSpPr>
+            <a:spLocks noGrp="1"/>
+          </p:cNvSpPr>
+          <p:nvPr>
+            <p:ph idx="1"/>
+          </p:nvPr>
+        </p:nvSpPr>
+        <p:spPr>
+          <a:xfrm>
+            <a:off x="457200" y="2526093"/>
+            <a:ext cx="8229600" cy="3200400"/>
+          </a:xfrm>
+        </p:spPr>
+        <p:txBody>
+          <a:bodyPr numCol="2">
+            <a:normAutofit/>
+          </a:bodyPr>
+          <a:lstStyle/>
+          <a:p>
+            <a:pPr algn="just"/>
+            <a:r>
+              <a:rPr lang="en-US" sz="2400" spc="-150" dirty="0">
+                <a:latin typeface="+mn-lt"/>
+              </a:rPr>
+              <a:t>Mobile application testing is a process by which application software developed for hand held mobile devices is tested for its functionality, usability and consistency.</a:t>
+            </a:r>
+          </a:p>
+          <a:p>
+            <a:pPr algn="just"/>
+            <a:endParaRPr lang="en-US" sz="2400" dirty="0">
+              <a:latin typeface="+mn-lt"/>
+            </a:endParaRPr>
+          </a:p>
+        </p:txBody>
+      </p:sp>
+      <p:pic>
+        <p:nvPicPr>
+          <p:cNvPr id="5" name="Picture 4"/>
+          <p:cNvPicPr>
+            <a:picLocks noChangeAspect="1" noChangeArrowheads="1"/>
+          </p:cNvPicPr>
+          <p:nvPr/>
+        </p:nvPicPr>
+        <p:blipFill>
+          <a:blip r:embed="rId2">
+            <a:extLst>
+              <a:ext uri="{28A0092B-C50C-407E-A947-70E740481C1C}">
+                <a14:useLocalDpi xmlns:a14="http://schemas.microsoft.com/office/drawing/2010/main" val="0"/>
+              </a:ext>
+            </a:extLst>
+          </a:blip>
+          <a:srcRect/>
+          <a:stretch>
+            <a:fillRect/>
+          </a:stretch>
+        </p:blipFill>
+        <p:spPr bwMode="auto">
+          <a:xfrm>
+            <a:off x="4656406" y="2307102"/>
+            <a:ext cx="3924886" cy="3137095"/>
+          </a:xfrm>
+          <a:prstGeom prst="rect">
+            <a:avLst/>
+          </a:prstGeom>
+          <a:noFill/>
+          <a:extLst>
+            <a:ext uri="{909E8E84-426E-40DD-AFC4-6F175D3DCCD1}">
+              <a14:hiddenFill xmlns:a14="http://schemas.microsoft.com/office/drawing/2010/main">
+                <a:solidFill>
+                  <a:srgbClr val="FFFFFF"/>
+                </a:solidFill>
+              </a14:hiddenFill>
+            </a:ext>
+          </a:extLst>
+        </p:spPr>
+      </p:pic>
+    </p:spTree>
+    <p:extLst>
+      <p:ext uri="{BB962C8B-B14F-4D97-AF65-F5344CB8AC3E}">
+        <p14:creationId xmlns:p14="http://schemas.microsoft.com/office/powerpoint/2010/main" val="3865669531"/>
+      </p:ext>
+    </p:extLst>
+  </p:cSld>
+  <p:clrMapOvr>
+    <a:masterClrMapping/>
+  </p:clrMapOvr>
+</p:sld>
+</file>
+
+<file path=ppt/slides/slide20.xml><?xml version="1.0" encoding="utf-8"?>
+<p:sld xmlns:a="http://schemas.openxmlformats.org/drawingml/2006/main" xmlns:r="http://schemas.openxmlformats.org/officeDocument/2006/relationships" xmlns:p="http://schemas.openxmlformats.org/presentationml/2006/main">
+  <p:cSld>
+    <p:spTree>
+      <p:nvGrpSpPr>
+        <p:cNvPr id="1" name=""/>
+        <p:cNvGrpSpPr/>
+        <p:nvPr/>
+      </p:nvGrpSpPr>
+      <p:grpSpPr>
+        <a:xfrm>
+          <a:off x="0" y="0"/>
+          <a:ext cx="0" cy="0"/>
+          <a:chOff x="0" y="0"/>
+          <a:chExt cx="0" cy="0"/>
+        </a:xfrm>
+      </p:grpSpPr>
+      <p:sp>
+        <p:nvSpPr>
+          <p:cNvPr id="2" name="Title 1"/>
+          <p:cNvSpPr>
+            <a:spLocks noGrp="1"/>
+          </p:cNvSpPr>
+          <p:nvPr>
+            <p:ph type="title"/>
+          </p:nvPr>
+        </p:nvSpPr>
+        <p:spPr/>
+        <p:txBody>
+          <a:bodyPr/>
+          <a:lstStyle/>
+          <a:p>
+            <a:r>
+              <a:rPr lang="en-US" dirty="0">
+                <a:solidFill>
+                  <a:srgbClr val="0070C0"/>
+                </a:solidFill>
+                <a:latin typeface="Times New Roman" panose="02020603050405020304" pitchFamily="18" charset="0"/>
+                <a:cs typeface="Times New Roman" panose="02020603050405020304" pitchFamily="18" charset="0"/>
+              </a:rPr>
+              <a:t>Issues, Challenges &amp; Needs</a:t>
+            </a:r>
+            <a:endParaRPr lang="en-US" dirty="0"/>
+          </a:p>
+        </p:txBody>
+      </p:sp>
+      <p:sp>
+        <p:nvSpPr>
+          <p:cNvPr id="3" name="Content Placeholder 2"/>
+          <p:cNvSpPr>
+            <a:spLocks noGrp="1"/>
+          </p:cNvSpPr>
+          <p:nvPr>
+            <p:ph idx="1"/>
+          </p:nvPr>
+        </p:nvSpPr>
+        <p:spPr/>
+        <p:txBody>
+          <a:bodyPr>
+            <a:normAutofit/>
+          </a:bodyPr>
+          <a:lstStyle/>
+          <a:p>
+            <a:r>
+              <a:rPr lang="en-US" sz="2800" b="1" dirty="0">
+                <a:latin typeface="Times New Roman" panose="02020603050405020304" pitchFamily="18" charset="0"/>
+                <a:cs typeface="Times New Roman" panose="02020603050405020304" pitchFamily="18" charset="0"/>
+              </a:rPr>
+              <a:t>Test automation:</a:t>
+            </a:r>
+          </a:p>
+          <a:p>
+            <a:pPr lvl="1"/>
+            <a:r>
+              <a:rPr lang="en-US" sz="1800" dirty="0">
+                <a:latin typeface="Times New Roman" panose="02020603050405020304" pitchFamily="18" charset="0"/>
+                <a:cs typeface="Times New Roman" panose="02020603050405020304" pitchFamily="18" charset="0"/>
+              </a:rPr>
+              <a:t>Lack of standardization in mobile test infrastructure, scripting languages, and connectivity protocols between mobile test tools and platforms</a:t>
+            </a:r>
+          </a:p>
+          <a:p>
+            <a:pPr lvl="1"/>
+            <a:r>
+              <a:rPr lang="en-US" sz="1800" dirty="0">
+                <a:latin typeface="Times New Roman" panose="02020603050405020304" pitchFamily="18" charset="0"/>
+                <a:cs typeface="Times New Roman" panose="02020603050405020304" pitchFamily="18" charset="0"/>
+              </a:rPr>
+              <a:t>Need an elastic infrastructure to support large-scale test automation</a:t>
+            </a:r>
+          </a:p>
+          <a:p>
+            <a:r>
+              <a:rPr lang="en-US" sz="2200" b="1" dirty="0">
+                <a:latin typeface="Times New Roman" panose="02020603050405020304" pitchFamily="18" charset="0"/>
+                <a:cs typeface="Times New Roman" panose="02020603050405020304" pitchFamily="18" charset="0"/>
+              </a:rPr>
+              <a:t>What to do?</a:t>
+            </a:r>
+          </a:p>
+          <a:p>
+            <a:pPr lvl="1"/>
+            <a:r>
+              <a:rPr lang="en-US" sz="1800" dirty="0">
+                <a:latin typeface="Times New Roman" panose="02020603050405020304" pitchFamily="18" charset="0"/>
+                <a:cs typeface="Times New Roman" panose="02020603050405020304" pitchFamily="18" charset="0"/>
+              </a:rPr>
+              <a:t>device-based mobile test clouds equipped with connected, diverse, and replaceable mobile devices</a:t>
+            </a:r>
+          </a:p>
+          <a:p>
+            <a:pPr lvl="1"/>
+            <a:r>
+              <a:rPr lang="en-US" sz="1800" dirty="0">
+                <a:latin typeface="Times New Roman" panose="02020603050405020304" pitchFamily="18" charset="0"/>
+                <a:cs typeface="Times New Roman" panose="02020603050405020304" pitchFamily="18" charset="0"/>
+              </a:rPr>
+              <a:t>scalable emulation clouds that can enable the creation, deployment, and control of largescale mobile emulation testing</a:t>
+            </a:r>
+          </a:p>
+          <a:p>
+            <a:pPr lvl="1"/>
+            <a:r>
+              <a:rPr lang="en-US" sz="1800" dirty="0">
+                <a:latin typeface="Times New Roman" panose="02020603050405020304" pitchFamily="18" charset="0"/>
+                <a:cs typeface="Times New Roman" panose="02020603050405020304" pitchFamily="18" charset="0"/>
+              </a:rPr>
+              <a:t>unified test control and execution solution that supports concurrent and largescale test automation</a:t>
+            </a:r>
+          </a:p>
+        </p:txBody>
+      </p:sp>
+    </p:spTree>
+    <p:extLst>
+      <p:ext uri="{BB962C8B-B14F-4D97-AF65-F5344CB8AC3E}">
+        <p14:creationId xmlns:p14="http://schemas.microsoft.com/office/powerpoint/2010/main" val="2316956029"/>
+      </p:ext>
+    </p:extLst>
+  </p:cSld>
+  <p:clrMapOvr>
+    <a:masterClrMapping/>
+  </p:clrMapOvr>
+</p:sld>
+</file>
+
+<file path=ppt/slides/slide21.xml><?xml version="1.0" encoding="utf-8"?>
+<p:sld xmlns:a="http://schemas.openxmlformats.org/drawingml/2006/main" xmlns:r="http://schemas.openxmlformats.org/officeDocument/2006/relationships" xmlns:p="http://schemas.openxmlformats.org/presentationml/2006/main">
+  <p:cSld>
+    <p:spTree>
+      <p:nvGrpSpPr>
+        <p:cNvPr id="1" name=""/>
+        <p:cNvGrpSpPr/>
+        <p:nvPr/>
+      </p:nvGrpSpPr>
+      <p:grpSpPr>
+        <a:xfrm>
+          <a:off x="0" y="0"/>
+          <a:ext cx="0" cy="0"/>
+          <a:chOff x="0" y="0"/>
+          <a:chExt cx="0" cy="0"/>
+        </a:xfrm>
+      </p:grpSpPr>
       <p:sp>
         <p:nvSpPr>
           <p:cNvPr id="4" name="Rectangle 3"/>
@@ -9320,7 +9063,7 @@
           <a:p>
             <a:pPr algn="ctr"/>
             <a:r>
-              <a:rPr lang="en-US" sz="9600" b="1" cap="none" spc="0" dirty="0" smtClean="0">
+              <a:rPr lang="en-US" sz="9600" b="1" cap="none" spc="0" dirty="0">
                 <a:ln w="10541" cmpd="sng">
                   <a:solidFill>
                     <a:schemeClr val="accent1">
@@ -9369,53 +9112,6 @@
               </a:rPr>
               <a:t>Thank you</a:t>
             </a:r>
-            <a:endParaRPr lang="en-US" sz="9600" b="1" cap="none" spc="0" dirty="0">
-              <a:ln w="10541" cmpd="sng">
-                <a:solidFill>
-                  <a:schemeClr val="accent1">
-                    <a:shade val="88000"/>
-                    <a:satMod val="110000"/>
-                  </a:schemeClr>
-                </a:solidFill>
-                <a:prstDash val="solid"/>
-              </a:ln>
-              <a:gradFill>
-                <a:gsLst>
-                  <a:gs pos="0">
-                    <a:schemeClr val="accent1">
-                      <a:tint val="40000"/>
-                      <a:satMod val="250000"/>
-                    </a:schemeClr>
-                  </a:gs>
-                  <a:gs pos="9000">
-                    <a:schemeClr val="accent1">
-                      <a:tint val="52000"/>
-                      <a:satMod val="300000"/>
-                    </a:schemeClr>
-                  </a:gs>
-                  <a:gs pos="50000">
-                    <a:schemeClr val="accent1">
-                      <a:shade val="20000"/>
-                      <a:satMod val="300000"/>
-                    </a:schemeClr>
-                  </a:gs>
-                  <a:gs pos="79000">
-                    <a:schemeClr val="accent1">
-                      <a:tint val="52000"/>
-                      <a:satMod val="300000"/>
-                    </a:schemeClr>
-                  </a:gs>
-                  <a:gs pos="100000">
-                    <a:schemeClr val="accent1">
-                      <a:tint val="40000"/>
-                      <a:satMod val="250000"/>
-                    </a:schemeClr>
-                  </a:gs>
-                </a:gsLst>
-                <a:lin ang="5400000"/>
-              </a:gradFill>
-              <a:effectLst/>
-            </a:endParaRPr>
           </a:p>
         </p:txBody>
       </p:sp>
@@ -9429,125 +9125,6 @@
   <p:clrMapOvr>
     <a:masterClrMapping/>
   </p:clrMapOvr>
-</p:sld>
-</file>
-
-<file path=ppt/slides/slide2.xml><?xml version="1.0" encoding="utf-8"?>
-<p:sld xmlns:a="http://schemas.openxmlformats.org/drawingml/2006/main" xmlns:r="http://schemas.openxmlformats.org/officeDocument/2006/relationships" xmlns:p="http://schemas.openxmlformats.org/presentationml/2006/main">
-  <p:cSld>
-    <p:spTree>
-      <p:nvGrpSpPr>
-        <p:cNvPr id="1" name=""/>
-        <p:cNvGrpSpPr/>
-        <p:nvPr/>
-      </p:nvGrpSpPr>
-      <p:grpSpPr>
-        <a:xfrm>
-          <a:off x="0" y="0"/>
-          <a:ext cx="0" cy="0"/>
-          <a:chOff x="0" y="0"/>
-          <a:chExt cx="0" cy="0"/>
-        </a:xfrm>
-      </p:grpSpPr>
-      <p:sp>
-        <p:nvSpPr>
-          <p:cNvPr id="2" name="Title 1"/>
-          <p:cNvSpPr>
-            <a:spLocks noGrp="1"/>
-          </p:cNvSpPr>
-          <p:nvPr>
-            <p:ph type="title"/>
-          </p:nvPr>
-        </p:nvSpPr>
-        <p:spPr>
-          <a:xfrm>
-            <a:off x="-1252024" y="1477108"/>
-            <a:ext cx="9200270" cy="661181"/>
-          </a:xfrm>
-        </p:spPr>
-        <p:txBody>
-          <a:bodyPr>
-            <a:normAutofit fontScale="90000"/>
-          </a:bodyPr>
-          <a:lstStyle/>
-          <a:p>
-            <a:r>
-              <a:rPr lang="en-US" sz="3200" dirty="0">
-                <a:solidFill>
-                  <a:schemeClr val="accent1">
-                    <a:lumMod val="75000"/>
-                  </a:schemeClr>
-                </a:solidFill>
-              </a:rPr>
-              <a:t>MOBILE APPLICATION TESTING</a:t>
-            </a:r>
-            <a:r>
-              <a:rPr lang="en-US" dirty="0"/>
-              <a:t>:</a:t>
-            </a:r>
-            <a:endParaRPr lang="en-US" dirty="0">
-              <a:solidFill>
-                <a:srgbClr val="0072BC"/>
-              </a:solidFill>
-            </a:endParaRPr>
-          </a:p>
-        </p:txBody>
-      </p:sp>
-      <p:sp>
-        <p:nvSpPr>
-          <p:cNvPr id="3" name="Content Placeholder 2"/>
-          <p:cNvSpPr>
-            <a:spLocks noGrp="1"/>
-          </p:cNvSpPr>
-          <p:nvPr>
-            <p:ph idx="1"/>
-          </p:nvPr>
-        </p:nvSpPr>
-        <p:spPr>
-          <a:xfrm>
-            <a:off x="457200" y="2526093"/>
-            <a:ext cx="8229600" cy="3200400"/>
-          </a:xfrm>
-        </p:spPr>
-        <p:txBody>
-          <a:bodyPr>
-            <a:normAutofit/>
-          </a:bodyPr>
-          <a:lstStyle/>
-          <a:p>
-            <a:pPr algn="just"/>
-            <a:r>
-              <a:rPr lang="en-US" sz="2400" dirty="0">
-                <a:latin typeface="+mn-lt"/>
-              </a:rPr>
-              <a:t>Mobile application testing is a process by which application software developed for hand held mobile devices is tested for its functionality, usability and consistency.</a:t>
-            </a:r>
-          </a:p>
-          <a:p>
-            <a:pPr algn="just"/>
-            <a:endParaRPr lang="en-US" sz="2400" dirty="0">
-              <a:latin typeface="+mn-lt"/>
-            </a:endParaRPr>
-          </a:p>
-        </p:txBody>
-      </p:sp>
-    </p:spTree>
-    <p:extLst>
-      <p:ext uri="{BB962C8B-B14F-4D97-AF65-F5344CB8AC3E}">
-        <p14:creationId xmlns:p14="http://schemas.microsoft.com/office/powerpoint/2010/main" val="3865669531"/>
-      </p:ext>
-    </p:extLst>
-  </p:cSld>
-  <p:clrMapOvr>
-    <a:masterClrMapping/>
-  </p:clrMapOvr>
-  <p:timing>
-    <p:tnLst>
-      <p:par>
-        <p:cTn id="1" dur="indefinite" restart="never" nodeType="tmRoot"/>
-      </p:par>
-    </p:tnLst>
-  </p:timing>
 </p:sld>
 </file>
 
@@ -9592,40 +9169,52 @@
           <a:p>
             <a:r>
               <a:rPr lang="en-US" sz="3600" dirty="0">
+                <a:solidFill>
+                  <a:srgbClr val="0070C0"/>
+                </a:solidFill>
                 <a:latin typeface="+mj-lt"/>
               </a:rPr>
               <a:t>       </a:t>
             </a:r>
             <a:br>
               <a:rPr lang="en-US" sz="3600" dirty="0">
+                <a:solidFill>
+                  <a:srgbClr val="0070C0"/>
+                </a:solidFill>
                 <a:latin typeface="+mj-lt"/>
               </a:rPr>
             </a:br>
-            <a:r>
-              <a:rPr lang="en-US" sz="3600" dirty="0">
-                <a:latin typeface="+mj-lt"/>
-              </a:rPr>
-              <a:t/>
-            </a:r>
             <a:br>
               <a:rPr lang="en-US" sz="3600" dirty="0">
+                <a:solidFill>
+                  <a:srgbClr val="0070C0"/>
+                </a:solidFill>
                 <a:latin typeface="+mj-lt"/>
               </a:rPr>
             </a:br>
             <a:r>
               <a:rPr lang="en-US" sz="3600" dirty="0">
+                <a:solidFill>
+                  <a:srgbClr val="0070C0"/>
+                </a:solidFill>
                 <a:latin typeface="+mj-lt"/>
               </a:rPr>
               <a:t>  </a:t>
             </a:r>
             <a:r>
               <a:rPr lang="en-US" sz="3600" b="1" dirty="0">
+                <a:solidFill>
+                  <a:srgbClr val="0070C0"/>
+                </a:solidFill>
                 <a:latin typeface="+mj-lt"/>
               </a:rPr>
               <a:t>Related Work in Mobile Application Testing</a:t>
             </a:r>
             <a:r>
               <a:rPr lang="en-US" sz="3600" dirty="0">
+                <a:solidFill>
+                  <a:srgbClr val="0070C0"/>
+                </a:solidFill>
                 <a:latin typeface="+mj-lt"/>
               </a:rPr>
               <a:t>:</a:t>
@@ -9726,13 +9315,6 @@
   <p:clrMapOvr>
     <a:masterClrMapping/>
   </p:clrMapOvr>
-  <p:timing>
-    <p:tnLst>
-      <p:par>
-        <p:cTn id="1" dur="indefinite" restart="never" nodeType="tmRoot"/>
-      </p:par>
-    </p:tnLst>
-  </p:timing>
 </p:sld>
 </file>
 
@@ -9771,31 +9353,15 @@
           <a:lstStyle/>
           <a:p>
             <a:pPr algn="l"/>
-            <a:r>
-              <a:rPr lang="en-US" dirty="0"/>
-              <a:t/>
-            </a:r>
             <a:br>
               <a:rPr lang="en-US" dirty="0"/>
             </a:br>
-            <a:r>
-              <a:rPr lang="en-US" dirty="0"/>
-              <a:t/>
-            </a:r>
             <a:br>
               <a:rPr lang="en-US" dirty="0"/>
             </a:br>
-            <a:r>
-              <a:rPr lang="en-US" dirty="0"/>
-              <a:t/>
-            </a:r>
             <a:br>
               <a:rPr lang="en-US" dirty="0"/>
             </a:br>
-            <a:r>
-              <a:rPr lang="en-US" sz="2700" dirty="0"/>
-              <a:t/>
-            </a:r>
             <a:br>
               <a:rPr lang="en-US" sz="2700" dirty="0"/>
             </a:br>
@@ -9834,18 +9400,33 @@
               <a:buNone/>
             </a:pPr>
             <a:r>
-              <a:rPr lang="en-US" dirty="0"/>
+              <a:rPr lang="en-US" dirty="0">
+                <a:solidFill>
+                  <a:srgbClr val="0070C0"/>
+                </a:solidFill>
+              </a:rPr>
               <a:t> </a:t>
             </a:r>
             <a:r>
-              <a:rPr lang="en-US" sz="2800" b="1" dirty="0"/>
+              <a:rPr lang="en-US" sz="2800" b="1" dirty="0">
+                <a:solidFill>
+                  <a:srgbClr val="0070C0"/>
+                </a:solidFill>
+              </a:rPr>
               <a:t>Related Work in Mobile Application Testing</a:t>
             </a:r>
             <a:r>
-              <a:rPr lang="en-US" sz="2800" dirty="0"/>
+              <a:rPr lang="en-US" sz="2800" dirty="0">
+                <a:solidFill>
+                  <a:srgbClr val="0070C0"/>
+                </a:solidFill>
+              </a:rPr>
               <a:t>:</a:t>
             </a:r>
             <a:endParaRPr lang="en-US" sz="2800" b="1" dirty="0">
+              <a:solidFill>
+                <a:srgbClr val="0070C0"/>
+              </a:solidFill>
               <a:latin typeface="+mj-lt"/>
             </a:endParaRPr>
           </a:p>
@@ -9861,10 +9442,6 @@
               </a:rPr>
               <a:t>Usability testing:</a:t>
             </a:r>
-            <a:r>
-              <a:rPr lang="en-US" dirty="0"/>
-              <a:t/>
-            </a:r>
             <a:br>
               <a:rPr lang="en-US" dirty="0"/>
             </a:br>
@@ -9872,7 +9449,7 @@
               <a:rPr lang="en-US" sz="2000" dirty="0">
                 <a:latin typeface="+mj-lt"/>
               </a:rPr>
-              <a:t>Usability testing is a technique used in user-centered interaction design to evaluate a product by testing it on users. This can be seen as an irreplaceable usability practice, since it gives direct input on how real users use the system</a:t>
+              <a:t>Usability testing is a technique used in user-centered interaction design to evaluate a product by testing it on users. This can be seen as an irreplaceable usability practice, since it gives direct input on how real users use the system.</a:t>
             </a:r>
           </a:p>
           <a:p>
@@ -9889,17 +9466,9 @@
             </a:r>
           </a:p>
           <a:p>
-            <a:pPr marL="0" indent="0" algn="just">
+            <a:pPr marL="400050" lvl="1" indent="0" algn="just">
               <a:buNone/>
             </a:pPr>
-            <a:r>
-              <a:rPr lang="en-US" sz="2600" dirty="0"/>
-              <a:t> </a:t>
-            </a:r>
-            <a:r>
-              <a:rPr lang="en-US" sz="2400" dirty="0"/>
-              <a:t> </a:t>
-            </a:r>
             <a:r>
               <a:rPr lang="en-US" sz="2000" dirty="0">
                 <a:latin typeface="+mj-lt"/>
@@ -9940,7 +9509,7 @@
               <a:rPr lang="en-US" sz="2000" dirty="0">
                 <a:latin typeface="+mj-lt"/>
               </a:rPr>
-              <a:t> providers and Internet service providers may offer </a:t>
+              <a:t>  providers and Internet service providers may offer </a:t>
             </a:r>
             <a:r>
               <a:rPr lang="en-US" sz="2000" dirty="0" err="1">
@@ -9948,9 +9517,12 @@
               </a:rPr>
               <a:t>QoS</a:t>
             </a:r>
-            <a:endParaRPr lang="en-US" sz="2000" dirty="0">
-              <a:latin typeface="+mj-lt"/>
-            </a:endParaRPr>
+            <a:r>
+              <a:rPr lang="en-US" sz="2000" dirty="0">
+                <a:latin typeface="+mj-lt"/>
+              </a:rPr>
+              <a:t>.</a:t>
+            </a:r>
           </a:p>
           <a:p>
             <a:pPr marL="0" indent="0">
@@ -9970,13 +9542,6 @@
   <p:clrMapOvr>
     <a:masterClrMapping/>
   </p:clrMapOvr>
-  <p:timing>
-    <p:tnLst>
-      <p:par>
-        <p:cTn id="1" dur="indefinite" restart="never" nodeType="tmRoot"/>
-      </p:par>
-    </p:tnLst>
-  </p:timing>
 </p:sld>
 </file>
 
@@ -10023,15 +9588,27 @@
               <a:buNone/>
             </a:pPr>
             <a:r>
-              <a:rPr lang="en-US" dirty="0"/>
+              <a:rPr lang="en-US" dirty="0">
+                <a:solidFill>
+                  <a:srgbClr val="0070C0"/>
+                </a:solidFill>
+              </a:rPr>
               <a:t> </a:t>
             </a:r>
             <a:r>
-              <a:rPr lang="en-US" sz="2800" b="1" dirty="0"/>
+              <a:rPr lang="en-US" sz="2800" b="1" dirty="0">
+                <a:solidFill>
+                  <a:srgbClr val="0070C0"/>
+                </a:solidFill>
+              </a:rPr>
               <a:t>Related Work in Mobile Application Testing</a:t>
             </a:r>
             <a:r>
-              <a:rPr lang="en-US" sz="2800" dirty="0"/>
+              <a:rPr lang="en-US" sz="2800" dirty="0">
+                <a:solidFill>
+                  <a:srgbClr val="0070C0"/>
+                </a:solidFill>
+              </a:rPr>
               <a:t>:</a:t>
             </a:r>
           </a:p>
@@ -10119,13 +9696,6 @@
   <p:clrMapOvr>
     <a:masterClrMapping/>
   </p:clrMapOvr>
-  <p:timing>
-    <p:tnLst>
-      <p:par>
-        <p:cTn id="1" dur="indefinite" restart="never" nodeType="tmRoot"/>
-      </p:par>
-    </p:tnLst>
-  </p:timing>
 </p:sld>
 </file>
 
@@ -10330,13 +9900,6 @@
   <p:clrMapOvr>
     <a:masterClrMapping/>
   </p:clrMapOvr>
-  <p:timing>
-    <p:tnLst>
-      <p:par>
-        <p:cTn id="1" dur="indefinite" restart="never" nodeType="tmRoot"/>
-      </p:par>
-    </p:tnLst>
-  </p:timing>
 </p:sld>
 </file>
 
@@ -10479,13 +10042,6 @@
   <p:clrMapOvr>
     <a:masterClrMapping/>
   </p:clrMapOvr>
-  <p:timing>
-    <p:tnLst>
-      <p:par>
-        <p:cTn id="1" dur="indefinite" restart="never" nodeType="tmRoot"/>
-      </p:par>
-    </p:tnLst>
-  </p:timing>
 </p:sld>
 </file>
 
@@ -10545,7 +10101,12 @@
             <p:ph idx="1"/>
           </p:nvPr>
         </p:nvSpPr>
-        <p:spPr/>
+        <p:spPr>
+          <a:xfrm>
+            <a:off x="457199" y="1600204"/>
+            <a:ext cx="8349175" cy="2985864"/>
+          </a:xfrm>
+        </p:spPr>
         <p:txBody>
           <a:bodyPr/>
           <a:lstStyle/>
@@ -10599,24 +10160,17 @@
             <a:endParaRPr lang="en-US" sz="1800" dirty="0"/>
           </a:p>
           <a:p>
-            <a:pPr marL="400050" indent="-400050">
+            <a:pPr marL="3943350" lvl="8" indent="-400050">
               <a:buFont typeface="+mj-lt"/>
               <a:buAutoNum type="romanLcPeriod"/>
             </a:pPr>
-            <a:endParaRPr lang="en-US" sz="1800" dirty="0"/>
-          </a:p>
-          <a:p>
-            <a:pPr marL="571500" indent="-571500">
-              <a:buFont typeface="+mj-lt"/>
-              <a:buAutoNum type="romanLcPeriod"/>
-            </a:pPr>
-            <a:endParaRPr lang="en-US" dirty="0"/>
+            <a:endParaRPr lang="en-US" sz="600" dirty="0"/>
           </a:p>
         </p:txBody>
       </p:sp>
       <p:pic>
         <p:nvPicPr>
-          <p:cNvPr id="4" name="Picture 3"/>
+          <p:cNvPr id="5" name="Picture 4"/>
           <p:cNvPicPr>
             <a:picLocks noChangeAspect="1"/>
           </p:cNvPicPr>
@@ -10630,8 +10184,8 @@
         </p:blipFill>
         <p:spPr>
           <a:xfrm>
-            <a:off x="3049946" y="3727174"/>
-            <a:ext cx="5636854" cy="2235251"/>
+            <a:off x="3608053" y="3671668"/>
+            <a:ext cx="4776292" cy="2454499"/>
           </a:xfrm>
           <a:prstGeom prst="rect">
             <a:avLst/>
@@ -10648,13 +10202,6 @@
   <p:clrMapOvr>
     <a:masterClrMapping/>
   </p:clrMapOvr>
-  <p:timing>
-    <p:tnLst>
-      <p:par>
-        <p:cTn id="1" dur="indefinite" restart="never" nodeType="tmRoot"/>
-      </p:par>
-    </p:tnLst>
-  </p:timing>
 </p:sld>
 </file>
 
@@ -10798,13 +10345,6 @@
   <p:clrMapOvr>
     <a:masterClrMapping/>
   </p:clrMapOvr>
-  <p:timing>
-    <p:tnLst>
-      <p:par>
-        <p:cTn id="1" dur="indefinite" restart="never" nodeType="tmRoot"/>
-      </p:par>
-    </p:tnLst>
-  </p:timing>
 </p:sld>
 </file>
 
